--- a/final assignment/EPAcourse_presentation.pptx
+++ b/final assignment/EPAcourse_presentation.pptx
@@ -126,7 +126,7 @@
   </p:defaultTextStyle>
   <p:extLst>
     <p:ext uri="{EFAFB233-063F-42B5-8137-9DF3F51BA10A}">
-      <p15:sldGuideLst xmlns:p15="http://schemas.microsoft.com/office/powerpoint/2012/main" xmlns="">
+      <p15:sldGuideLst xmlns:p15="http://schemas.microsoft.com/office/powerpoint/2012/main">
         <p15:guide id="1" orient="horz" pos="2160">
           <p15:clr>
             <a:srgbClr val="A4A3A4"/>
@@ -225,7 +225,7 @@
           <a:p>
             <a:fld id="{DBAE3B3E-782A-9745-8E84-372F7B6771BF}" type="datetimeFigureOut">
               <a:rPr lang="en-US" smtClean="0"/>
-              <a:t>04-May-18</a:t>
+              <a:t>5/28/20</a:t>
             </a:fld>
             <a:endParaRPr lang="en-US" dirty="0"/>
           </a:p>
@@ -358,10 +358,9 @@
           </a:lstStyle>
           <a:p>
             <a:r>
-              <a:rPr lang="en-US" dirty="0" smtClean="0"/>
+              <a:rPr lang="en-US" dirty="0"/>
               <a:t>Click to edit Master title style</a:t>
             </a:r>
-            <a:endParaRPr lang="en-US" dirty="0"/>
           </a:p>
         </p:txBody>
       </p:sp>
@@ -479,10 +478,9 @@
           </a:lstStyle>
           <a:p>
             <a:r>
-              <a:rPr lang="en-US" dirty="0" smtClean="0"/>
+              <a:rPr lang="en-US" dirty="0"/>
               <a:t>Click to edit Master subtitle style</a:t>
             </a:r>
-            <a:endParaRPr lang="en-US" dirty="0"/>
           </a:p>
         </p:txBody>
       </p:sp>
@@ -532,10 +530,9 @@
           <a:lstStyle/>
           <a:p>
             <a:r>
-              <a:rPr lang="en-US" smtClean="0"/>
+              <a:rPr lang="en-US"/>
               <a:t>Click to edit Master title style</a:t>
             </a:r>
-            <a:endParaRPr lang="en-US"/>
           </a:p>
         </p:txBody>
       </p:sp>
@@ -556,21 +553,21 @@
           <a:p>
             <a:pPr lvl="0"/>
             <a:r>
-              <a:rPr lang="en-US" dirty="0" smtClean="0"/>
+              <a:rPr lang="en-US" dirty="0"/>
               <a:t>Click to edit Master text styles</a:t>
             </a:r>
           </a:p>
           <a:p>
             <a:pPr lvl="1"/>
             <a:r>
-              <a:rPr lang="en-US" dirty="0" smtClean="0"/>
+              <a:rPr lang="en-US" dirty="0"/>
               <a:t>Second level</a:t>
             </a:r>
           </a:p>
           <a:p>
             <a:pPr lvl="2"/>
             <a:r>
-              <a:rPr lang="en-US" dirty="0" smtClean="0"/>
+              <a:rPr lang="en-US" dirty="0"/>
               <a:t>Third level</a:t>
             </a:r>
           </a:p>
@@ -586,13 +583,6 @@
   <p:clrMapOvr>
     <a:masterClrMapping/>
   </p:clrMapOvr>
-  <p:timing>
-    <p:tnLst>
-      <p:par>
-        <p:cTn id="1" dur="indefinite" restart="never" nodeType="tmRoot"/>
-      </p:par>
-    </p:tnLst>
-  </p:timing>
 </p:sldLayout>
 </file>
 
@@ -893,10 +883,9 @@
           <a:lstStyle/>
           <a:p>
             <a:r>
-              <a:rPr lang="en-US" smtClean="0"/>
+              <a:rPr lang="en-US"/>
               <a:t>Click to edit Master title style</a:t>
             </a:r>
-            <a:endParaRPr lang="en-US"/>
           </a:p>
         </p:txBody>
       </p:sp>
@@ -917,38 +906,37 @@
           <a:p>
             <a:pPr lvl="0"/>
             <a:r>
-              <a:rPr lang="en-US" smtClean="0"/>
+              <a:rPr lang="en-US"/>
               <a:t>Click to edit Master text styles</a:t>
             </a:r>
           </a:p>
           <a:p>
             <a:pPr lvl="1"/>
             <a:r>
-              <a:rPr lang="en-US" smtClean="0"/>
+              <a:rPr lang="en-US"/>
               <a:t>Second level</a:t>
             </a:r>
           </a:p>
           <a:p>
             <a:pPr lvl="2"/>
             <a:r>
-              <a:rPr lang="en-US" smtClean="0"/>
+              <a:rPr lang="en-US"/>
               <a:t>Third level</a:t>
             </a:r>
           </a:p>
           <a:p>
             <a:pPr lvl="3"/>
             <a:r>
-              <a:rPr lang="en-US" smtClean="0"/>
+              <a:rPr lang="en-US"/>
               <a:t>Fourth level</a:t>
             </a:r>
           </a:p>
           <a:p>
             <a:pPr lvl="4"/>
             <a:r>
-              <a:rPr lang="en-US" smtClean="0"/>
+              <a:rPr lang="en-US"/>
               <a:t>Fifth level</a:t>
             </a:r>
-            <a:endParaRPr lang="en-US"/>
           </a:p>
         </p:txBody>
       </p:sp>
@@ -977,7 +965,7 @@
           <a:p>
             <a:fld id="{462A2416-1570-3849-86F9-07F78746E1B2}" type="datetimeFigureOut">
               <a:rPr lang="en-US" smtClean="0"/>
-              <a:t>04-May-18</a:t>
+              <a:t>5/28/20</a:t>
             </a:fld>
             <a:endParaRPr lang="en-US" dirty="0"/>
           </a:p>
@@ -1225,10 +1213,9 @@
           <a:p>
             <a:pPr lvl="0"/>
             <a:r>
-              <a:rPr lang="de-DE" smtClean="0"/>
+              <a:rPr lang="de-DE"/>
               <a:t>HEADLINE H1</a:t>
             </a:r>
-            <a:endParaRPr lang="de-DE"/>
           </a:p>
         </p:txBody>
       </p:sp>
@@ -1271,17 +1258,16 @@
           <a:p>
             <a:pPr lvl="0"/>
             <a:r>
-              <a:rPr lang="de-DE" smtClean="0"/>
+              <a:rPr lang="de-DE"/>
               <a:t>Net ut volo volor repel ipsae nos comnima gnatur abore pere volupti aerunt</a:t>
             </a:r>
           </a:p>
           <a:p>
             <a:pPr lvl="0"/>
             <a:r>
-              <a:rPr lang="de-DE" smtClean="0"/>
+              <a:rPr lang="de-DE"/>
               <a:t>odit, ut eatur, velenis perum am vendam quaiam rest occum etur sunttus.</a:t>
             </a:r>
-            <a:endParaRPr lang="de-DE"/>
           </a:p>
         </p:txBody>
       </p:sp>
@@ -1324,59 +1310,58 @@
           <a:p>
             <a:pPr lvl="0"/>
             <a:r>
-              <a:rPr lang="de-DE" smtClean="0"/>
+              <a:rPr lang="de-DE"/>
               <a:t>Con pro molupta tiisto min earum quia sum aut as corione cestio eturiatem</a:t>
             </a:r>
           </a:p>
           <a:p>
             <a:pPr lvl="0"/>
             <a:r>
-              <a:rPr lang="de-DE" smtClean="0"/>
+              <a:rPr lang="de-DE"/>
               <a:t>fuga. Et omnihilia essimagnam aut aut restiam re cus, numqui blant lisque</a:t>
             </a:r>
           </a:p>
           <a:p>
             <a:pPr lvl="0"/>
             <a:r>
-              <a:rPr lang="de-DE" smtClean="0"/>
+              <a:rPr lang="de-DE"/>
               <a:t>eum exces dolorem qui cuptaspeles eos volupta pa prehenisquia nobit rem.</a:t>
             </a:r>
           </a:p>
           <a:p>
             <a:pPr lvl="0"/>
             <a:r>
-              <a:rPr lang="de-DE" smtClean="0"/>
+              <a:rPr lang="de-DE"/>
               <a:t>Et rerianis evendis que ni odio. Obita cus.</a:t>
             </a:r>
           </a:p>
           <a:p>
             <a:pPr lvl="0"/>
             <a:r>
-              <a:rPr lang="de-DE" smtClean="0"/>
+              <a:rPr lang="de-DE"/>
               <a:t>Mustotate verum utem faccabo. Itatiusamus, sanim quati cus ad modit voluptatem</a:t>
             </a:r>
           </a:p>
           <a:p>
             <a:pPr lvl="0"/>
             <a:r>
-              <a:rPr lang="de-DE" smtClean="0"/>
+              <a:rPr lang="de-DE"/>
               <a:t>harchil im eaquam re peraeri berrovi ducitatet, sunt alique recto</a:t>
             </a:r>
           </a:p>
           <a:p>
             <a:pPr lvl="0"/>
             <a:r>
-              <a:rPr lang="de-DE" smtClean="0"/>
+              <a:rPr lang="de-DE"/>
               <a:t>modici cum fugit esti iumque minction eaquatus et occabo. Pari occupta epellacearum</a:t>
             </a:r>
           </a:p>
           <a:p>
             <a:pPr lvl="0"/>
             <a:r>
-              <a:rPr lang="de-DE" smtClean="0"/>
+              <a:rPr lang="de-DE"/>
               <a:t>qui que earit, aboremporum haribusam, con plabor ad utaquia aut</a:t>
             </a:r>
-            <a:endParaRPr lang="de-DE"/>
           </a:p>
         </p:txBody>
       </p:sp>
@@ -1423,10 +1408,9 @@
           <a:p>
             <a:pPr lvl="0"/>
             <a:r>
-              <a:rPr lang="de-DE" smtClean="0"/>
+              <a:rPr lang="de-DE"/>
               <a:t>WITH OPTIONAL SUBLINE H2</a:t>
             </a:r>
-            <a:endParaRPr lang="de-DE"/>
           </a:p>
         </p:txBody>
       </p:sp>
@@ -1473,10 +1457,9 @@
           <a:p>
             <a:pPr lvl="0"/>
             <a:r>
-              <a:rPr lang="de-DE" smtClean="0"/>
+              <a:rPr lang="de-DE"/>
               <a:t>INBETWEEN HEADLINE H3</a:t>
             </a:r>
-            <a:endParaRPr lang="de-DE"/>
           </a:p>
         </p:txBody>
       </p:sp>
@@ -1505,7 +1488,7 @@
           <a:p>
             <a:fld id="{B92CE7AE-4D4B-4F34-9461-F901B2CB1E63}" type="datetime1">
               <a:rPr lang="de-DE" smtClean="0"/>
-              <a:t>04.05.2018</a:t>
+              <a:t>28.05.20</a:t>
             </a:fld>
             <a:endParaRPr lang="de-DE"/>
           </a:p>
@@ -1535,10 +1518,9 @@
           <a:lstStyle/>
           <a:p>
             <a:r>
-              <a:rPr lang="de-DE" smtClean="0"/>
+              <a:rPr lang="de-DE"/>
               <a:t>Project Title</a:t>
             </a:r>
-            <a:endParaRPr lang="de-DE"/>
           </a:p>
         </p:txBody>
       </p:sp>
@@ -1636,10 +1618,9 @@
           </a:lstStyle>
           <a:p>
             <a:r>
-              <a:rPr lang="en-US" dirty="0" smtClean="0"/>
+              <a:rPr lang="en-US" dirty="0"/>
               <a:t>Click to edit Master title style</a:t>
             </a:r>
-            <a:endParaRPr lang="en-US" dirty="0"/>
           </a:p>
         </p:txBody>
       </p:sp>
@@ -1757,10 +1738,9 @@
           </a:lstStyle>
           <a:p>
             <a:r>
-              <a:rPr lang="en-US" dirty="0" smtClean="0"/>
+              <a:rPr lang="en-US" dirty="0"/>
               <a:t>Click to edit Master subtitle style</a:t>
             </a:r>
-            <a:endParaRPr lang="en-US" dirty="0"/>
           </a:p>
         </p:txBody>
       </p:sp>
@@ -1825,10 +1805,9 @@
           <a:lstStyle/>
           <a:p>
             <a:r>
-              <a:rPr lang="en-US" dirty="0" smtClean="0"/>
+              <a:rPr lang="en-US" dirty="0"/>
               <a:t>Click to edit Master title style</a:t>
             </a:r>
-            <a:endParaRPr lang="en-US" dirty="0"/>
           </a:p>
         </p:txBody>
       </p:sp>
@@ -1859,21 +1838,21 @@
           <a:p>
             <a:pPr lvl="0"/>
             <a:r>
-              <a:rPr lang="en-US" dirty="0" smtClean="0"/>
+              <a:rPr lang="en-US" dirty="0"/>
               <a:t>Click to edit Master text styles</a:t>
             </a:r>
           </a:p>
           <a:p>
             <a:pPr lvl="1"/>
             <a:r>
-              <a:rPr lang="en-US" dirty="0" smtClean="0"/>
+              <a:rPr lang="en-US" dirty="0"/>
               <a:t>Second level</a:t>
             </a:r>
           </a:p>
           <a:p>
             <a:pPr lvl="2"/>
             <a:r>
-              <a:rPr lang="en-US" dirty="0" smtClean="0"/>
+              <a:rPr lang="en-US" dirty="0"/>
               <a:t>Third level</a:t>
             </a:r>
           </a:p>
@@ -2393,10 +2372,9 @@
           <a:lstStyle/>
           <a:p>
             <a:r>
-              <a:rPr lang="en-US" dirty="0" smtClean="0"/>
+              <a:rPr lang="en-US" dirty="0"/>
               <a:t>Click to edit Master title style</a:t>
             </a:r>
-            <a:endParaRPr lang="en-US" dirty="0"/>
           </a:p>
         </p:txBody>
       </p:sp>
@@ -2427,21 +2405,21 @@
           <a:p>
             <a:pPr lvl="0"/>
             <a:r>
-              <a:rPr lang="en-US" dirty="0" smtClean="0"/>
+              <a:rPr lang="en-US" dirty="0"/>
               <a:t>Click to edit Master text styles</a:t>
             </a:r>
           </a:p>
           <a:p>
             <a:pPr lvl="1"/>
             <a:r>
-              <a:rPr lang="en-US" dirty="0" smtClean="0"/>
+              <a:rPr lang="en-US" dirty="0"/>
               <a:t>Second level</a:t>
             </a:r>
           </a:p>
           <a:p>
             <a:pPr lvl="2"/>
             <a:r>
-              <a:rPr lang="en-US" dirty="0" smtClean="0"/>
+              <a:rPr lang="en-US" dirty="0"/>
               <a:t>Third level</a:t>
             </a:r>
           </a:p>
@@ -2919,7 +2897,7 @@
           <a:p>
             <a:pPr algn="l"/>
             <a:r>
-              <a:rPr lang="en-US" sz="8800" dirty="0" smtClean="0"/>
+              <a:rPr lang="en-US" sz="8800" dirty="0"/>
               <a:t>Case study presentation</a:t>
             </a:r>
             <a:endParaRPr lang="en-US" sz="8800" dirty="0">
@@ -2951,23 +2929,19 @@
           <a:p>
             <a:pPr algn="l"/>
             <a:r>
-              <a:rPr lang="en-US" dirty="0" smtClean="0"/>
+              <a:rPr lang="en-US" dirty="0"/>
               <a:t>Alessio Ciullo</a:t>
             </a:r>
           </a:p>
           <a:p>
             <a:pPr algn="l"/>
             <a:r>
-              <a:rPr lang="en-US" dirty="0" smtClean="0">
+              <a:rPr lang="en-US" dirty="0">
                 <a:latin typeface="Arial"/>
                 <a:cs typeface="Arial"/>
               </a:rPr>
               <a:t>alessio.ciullo@deltares.nl</a:t>
             </a:r>
-            <a:endParaRPr lang="en-US" dirty="0">
-              <a:latin typeface="Arial"/>
-              <a:cs typeface="Arial"/>
-            </a:endParaRPr>
           </a:p>
         </p:txBody>
       </p:sp>
@@ -2981,13 +2955,6 @@
   <p:clrMapOvr>
     <a:masterClrMapping/>
   </p:clrMapOvr>
-  <p:timing>
-    <p:tnLst>
-      <p:par>
-        <p:cTn id="1" dur="indefinite" restart="never" nodeType="tmRoot"/>
-      </p:par>
-    </p:tnLst>
-  </p:timing>
 </p:sld>
 </file>
 
@@ -3047,7 +3014,7 @@
           </a:lstStyle>
           <a:p>
             <a:r>
-              <a:rPr lang="en-US" sz="3600" dirty="0" smtClean="0">
+              <a:rPr lang="en-US" sz="3600" dirty="0">
                 <a:solidFill>
                   <a:srgbClr val="00B0F0"/>
                 </a:solidFill>
@@ -3144,15 +3111,15 @@
           <a:p>
             <a:pPr algn="just"/>
             <a:r>
-              <a:rPr lang="en-US" dirty="0" smtClean="0"/>
+              <a:rPr lang="en-US" dirty="0"/>
               <a:t>At each location, we now have a set of damages each associated to a different upstream high discharge, whose probability is </a:t>
             </a:r>
             <a:r>
-              <a:rPr lang="en-US" i="1" dirty="0" smtClean="0"/>
+              <a:rPr lang="en-US" i="1" dirty="0"/>
               <a:t>known. </a:t>
             </a:r>
             <a:r>
-              <a:rPr lang="en-US" dirty="0" smtClean="0"/>
+              <a:rPr lang="en-US" dirty="0"/>
               <a:t>Clearly, the lower the probability, the higher the discharge, the higher the damage.</a:t>
             </a:r>
             <a:endParaRPr lang="en-GB" i="1" dirty="0"/>
@@ -3204,7 +3171,7 @@
                         <m:limLoc m:val="subSup"/>
                         <m:ctrlPr>
                           <a:rPr lang="en-GB" i="1">
-                            <a:latin typeface="Cambria Math"/>
+                            <a:latin typeface="Cambria Math" panose="02040503050406030204" pitchFamily="18" charset="0"/>
                             <a:ea typeface="Cambria Math" panose="02040503050406030204" pitchFamily="18" charset="0"/>
                           </a:rPr>
                         </m:ctrlPr>
@@ -3239,7 +3206,7 @@
                           <m:dPr>
                             <m:ctrlPr>
                               <a:rPr lang="en-GB" i="1" smtClean="0">
-                                <a:latin typeface="Cambria Math"/>
+                                <a:latin typeface="Cambria Math" panose="02040503050406030204" pitchFamily="18" charset="0"/>
                                 <a:ea typeface="Cambria Math" panose="02040503050406030204" pitchFamily="18" charset="0"/>
                               </a:rPr>
                             </m:ctrlPr>
@@ -3273,7 +3240,7 @@
                             <m:limLoc m:val="subSup"/>
                             <m:ctrlPr>
                               <a:rPr lang="en-GB" i="1">
-                                <a:latin typeface="Cambria Math"/>
+                                <a:latin typeface="Cambria Math" panose="02040503050406030204" pitchFamily="18" charset="0"/>
                                 <a:ea typeface="Cambria Math" panose="02040503050406030204" pitchFamily="18" charset="0"/>
                               </a:rPr>
                             </m:ctrlPr>
@@ -3283,7 +3250,7 @@
                               <m:sSubPr>
                                 <m:ctrlPr>
                                   <a:rPr lang="en-GB" i="1">
-                                    <a:latin typeface="Cambria Math"/>
+                                    <a:latin typeface="Cambria Math" panose="02040503050406030204" pitchFamily="18" charset="0"/>
                                     <a:ea typeface="Cambria Math" panose="02040503050406030204" pitchFamily="18" charset="0"/>
                                   </a:rPr>
                                 </m:ctrlPr>
@@ -3313,7 +3280,7 @@
                               <m:sSubPr>
                                 <m:ctrlPr>
                                   <a:rPr lang="en-GB" i="1">
-                                    <a:latin typeface="Cambria Math"/>
+                                    <a:latin typeface="Cambria Math" panose="02040503050406030204" pitchFamily="18" charset="0"/>
                                     <a:ea typeface="Cambria Math" panose="02040503050406030204" pitchFamily="18" charset="0"/>
                                   </a:rPr>
                                 </m:ctrlPr>
@@ -3350,7 +3317,7 @@
                               <m:dPr>
                                 <m:ctrlPr>
                                   <a:rPr lang="en-GB" i="1">
-                                    <a:latin typeface="Cambria Math"/>
+                                    <a:latin typeface="Cambria Math" panose="02040503050406030204" pitchFamily="18" charset="0"/>
                                     <a:ea typeface="Cambria Math" panose="02040503050406030204" pitchFamily="18" charset="0"/>
                                   </a:rPr>
                                 </m:ctrlPr>
@@ -3376,7 +3343,7 @@
                               <m:dPr>
                                 <m:ctrlPr>
                                   <a:rPr lang="en-GB" i="1">
-                                    <a:latin typeface="Cambria Math"/>
+                                    <a:latin typeface="Cambria Math" panose="02040503050406030204" pitchFamily="18" charset="0"/>
                                     <a:ea typeface="Cambria Math" panose="02040503050406030204" pitchFamily="18" charset="0"/>
                                   </a:rPr>
                                 </m:ctrlPr>
@@ -3419,16 +3386,12 @@
                   </m:oMath>
                 </a14:m>
                 <a:r>
-                  <a:rPr lang="en-GB" dirty="0" smtClean="0">
+                  <a:rPr lang="en-GB" dirty="0">
                     <a:latin typeface="Cambria Math" panose="02040503050406030204" pitchFamily="18" charset="0"/>
                     <a:ea typeface="Cambria Math" panose="02040503050406030204" pitchFamily="18" charset="0"/>
                   </a:rPr>
                   <a:t>         </a:t>
                 </a:r>
-                <a:endParaRPr lang="en-GB" dirty="0">
-                  <a:latin typeface="Cambria Math" panose="02040503050406030204" pitchFamily="18" charset="0"/>
-                  <a:ea typeface="Cambria Math" panose="02040503050406030204" pitchFamily="18" charset="0"/>
-                </a:endParaRPr>
               </a:p>
             </p:txBody>
           </p:sp>
@@ -3529,14 +3492,7 @@
                       <a:latin typeface="Cambria Math" panose="02040503050406030204" pitchFamily="18" charset="0"/>
                       <a:ea typeface="Cambria Math" panose="02040503050406030204" pitchFamily="18" charset="0"/>
                     </a:rPr>
-                    <a:t> </a:t>
-                  </a:r>
-                  <a:r>
-                    <a:rPr lang="en-GB" i="1" baseline="-25000" dirty="0" smtClean="0">
-                      <a:latin typeface="Cambria Math" panose="02040503050406030204" pitchFamily="18" charset="0"/>
-                      <a:ea typeface="Cambria Math" panose="02040503050406030204" pitchFamily="18" charset="0"/>
-                    </a:rPr>
-                    <a:t>  </a:t>
+                    <a:t>   </a:t>
                   </a:r>
                   <a:r>
                     <a:rPr lang="en-GB" i="1" dirty="0">
@@ -3553,7 +3509,7 @@
                           <m:limLoc m:val="undOvr"/>
                           <m:ctrlPr>
                             <a:rPr lang="en-GB" i="1">
-                              <a:latin typeface="Cambria Math"/>
+                              <a:latin typeface="Cambria Math" panose="02040503050406030204" pitchFamily="18" charset="0"/>
                               <a:ea typeface="Cambria Math" panose="02040503050406030204" pitchFamily="18" charset="0"/>
                             </a:rPr>
                           </m:ctrlPr>
@@ -3588,7 +3544,7 @@
                             <m:fPr>
                               <m:ctrlPr>
                                 <a:rPr lang="en-GB" i="1">
-                                  <a:latin typeface="Cambria Math"/>
+                                  <a:latin typeface="Cambria Math" panose="02040503050406030204" pitchFamily="18" charset="0"/>
                                   <a:ea typeface="Cambria Math" panose="02040503050406030204" pitchFamily="18" charset="0"/>
                                 </a:rPr>
                               </m:ctrlPr>
@@ -3607,7 +3563,7 @@
                                 <m:sSupPr>
                                   <m:ctrlPr>
                                     <a:rPr lang="en-GB" i="1">
-                                      <a:latin typeface="Cambria Math"/>
+                                      <a:latin typeface="Cambria Math" panose="02040503050406030204" pitchFamily="18" charset="0"/>
                                       <a:ea typeface="Cambria Math" panose="02040503050406030204" pitchFamily="18" charset="0"/>
                                     </a:rPr>
                                   </m:ctrlPr>
@@ -3721,13 +3677,13 @@
             <a:lstStyle/>
             <a:p>
               <a:r>
-                <a:rPr lang="en-US" dirty="0" smtClean="0"/>
+                <a:rPr lang="en-US" dirty="0"/>
                 <a:t>T = planning period</a:t>
               </a:r>
             </a:p>
             <a:p>
               <a:r>
-                <a:rPr lang="en-US" dirty="0" smtClean="0"/>
+                <a:rPr lang="en-US" dirty="0"/>
                 <a:t>r = discount rate</a:t>
               </a:r>
               <a:endParaRPr lang="en-GB" dirty="0"/>
@@ -3936,7 +3892,7 @@
                   <a:buChar char="•"/>
                 </a:pPr>
                 <a:r>
-                  <a:rPr lang="en-US" dirty="0" smtClean="0"/>
+                  <a:rPr lang="en-US" dirty="0"/>
                   <a:t>Dike heightening: (per location)</a:t>
                 </a:r>
               </a:p>
@@ -3944,117 +3900,10 @@
                 <a:endParaRPr lang="en-US" dirty="0"/>
               </a:p>
               <a:p>
-                <a:endParaRPr lang="en-US" dirty="0" smtClean="0"/>
+                <a:endParaRPr lang="en-US" dirty="0"/>
               </a:p>
               <a:p>
                 <a:endParaRPr lang="en-US" dirty="0"/>
-              </a:p>
-              <a:p>
-                <a:pPr marL="285750" indent="-285750">
-                  <a:buFont typeface="Arial" panose="020B0604020202020204" pitchFamily="34" charset="0"/>
-                  <a:buChar char="•"/>
-                </a:pPr>
-                <a:endParaRPr lang="en-US" dirty="0" smtClean="0"/>
-              </a:p>
-              <a:p>
-                <a:pPr marL="285750" indent="-285750">
-                  <a:buFont typeface="Arial" panose="020B0604020202020204" pitchFamily="34" charset="0"/>
-                  <a:buChar char="•"/>
-                </a:pPr>
-                <a:r>
-                  <a:rPr lang="en-US" dirty="0"/>
-                  <a:t>Early warning</a:t>
-                </a:r>
-                <a:r>
-                  <a:rPr lang="en-US" dirty="0" smtClean="0"/>
-                  <a:t>: </a:t>
-                </a:r>
-              </a:p>
-              <a:p>
-                <a:pPr marL="285750" indent="-285750">
-                  <a:buFont typeface="Arial" panose="020B0604020202020204" pitchFamily="34" charset="0"/>
-                  <a:buChar char="•"/>
-                </a:pPr>
-                <a:endParaRPr lang="en-US" sz="600" dirty="0"/>
-              </a:p>
-              <a:p>
-                <a:pPr algn="ctr"/>
-                <a:r>
-                  <a:rPr lang="en-US" dirty="0" smtClean="0"/>
-                  <a:t>Cost = # of people evacuated*22 [</a:t>
-                </a:r>
-                <a:r>
-                  <a:rPr lang="en-US" sz="900" dirty="0" smtClean="0"/>
-                  <a:t>euros/person/day</a:t>
-                </a:r>
-                <a:r>
-                  <a:rPr lang="en-US" dirty="0" smtClean="0"/>
-                  <a:t>] *(warning time [</a:t>
-                </a:r>
-                <a:r>
-                  <a:rPr lang="en-US" sz="900" dirty="0" smtClean="0"/>
-                  <a:t>days</a:t>
-                </a:r>
-                <a:r>
-                  <a:rPr lang="en-US" dirty="0" smtClean="0"/>
-                  <a:t>] + 3) 		</a:t>
-                </a:r>
-                <a:r>
-                  <a:rPr lang="en-US" sz="1200" dirty="0" smtClean="0"/>
-                  <a:t>(based on the 1995 event)</a:t>
-                </a:r>
-                <a:endParaRPr lang="en-US" dirty="0" smtClean="0"/>
-              </a:p>
-              <a:p>
-                <a:pPr algn="ctr"/>
-                <a:endParaRPr lang="en-US" dirty="0" smtClean="0"/>
-              </a:p>
-              <a:p>
-                <a:pPr marL="285750" indent="-285750">
-                  <a:buFont typeface="Arial" panose="020B0604020202020204" pitchFamily="34" charset="0"/>
-                  <a:buChar char="•"/>
-                </a:pPr>
-                <a:r>
-                  <a:rPr lang="en-US" dirty="0" smtClean="0"/>
-                  <a:t>Room for the River:</a:t>
-                </a:r>
-              </a:p>
-              <a:p>
-                <a:endParaRPr lang="en-US" dirty="0"/>
-              </a:p>
-              <a:p>
-                <a:endParaRPr lang="en-US" dirty="0" smtClean="0"/>
-              </a:p>
-              <a:p>
-                <a:endParaRPr lang="en-US" dirty="0" smtClean="0"/>
-              </a:p>
-              <a:p>
-                <a:endParaRPr lang="en-US" dirty="0"/>
-              </a:p>
-              <a:p>
-                <a:endParaRPr lang="en-US" dirty="0" smtClean="0"/>
-              </a:p>
-              <a:p>
-                <a:endParaRPr lang="en-US" dirty="0"/>
-              </a:p>
-              <a:p>
-                <a:endParaRPr lang="en-US" dirty="0" smtClean="0"/>
-              </a:p>
-              <a:p>
-                <a:endParaRPr lang="en-US" dirty="0"/>
-              </a:p>
-              <a:p>
-                <a:endParaRPr lang="en-US" dirty="0" smtClean="0"/>
-              </a:p>
-              <a:p>
-                <a:endParaRPr lang="en-US" dirty="0"/>
-              </a:p>
-              <a:p>
-                <a:pPr marL="285750" indent="-285750">
-                  <a:buFont typeface="Arial" panose="020B0604020202020204" pitchFamily="34" charset="0"/>
-                  <a:buChar char="•"/>
-                </a:pPr>
-                <a:endParaRPr lang="en-US" dirty="0" smtClean="0"/>
               </a:p>
               <a:p>
                 <a:pPr marL="285750" indent="-285750">
@@ -4068,14 +3917,117 @@
                   <a:buFont typeface="Arial" panose="020B0604020202020204" pitchFamily="34" charset="0"/>
                   <a:buChar char="•"/>
                 </a:pPr>
-                <a:endParaRPr lang="en-US" dirty="0" smtClean="0"/>
+                <a:r>
+                  <a:rPr lang="en-US" dirty="0"/>
+                  <a:t>Early warning: </a:t>
+                </a:r>
               </a:p>
               <a:p>
                 <a:pPr marL="285750" indent="-285750">
                   <a:buFont typeface="Arial" panose="020B0604020202020204" pitchFamily="34" charset="0"/>
                   <a:buChar char="•"/>
                 </a:pPr>
-                <a:endParaRPr lang="en-US" dirty="0" smtClean="0"/>
+                <a:endParaRPr lang="en-US" sz="600" dirty="0"/>
+              </a:p>
+              <a:p>
+                <a:pPr algn="ctr"/>
+                <a:r>
+                  <a:rPr lang="en-US" dirty="0"/>
+                  <a:t>Cost = # of people evacuated*22 [</a:t>
+                </a:r>
+                <a:r>
+                  <a:rPr lang="en-US" sz="900" dirty="0"/>
+                  <a:t>euros/person/day</a:t>
+                </a:r>
+                <a:r>
+                  <a:rPr lang="en-US" dirty="0"/>
+                  <a:t>] *(warning time [</a:t>
+                </a:r>
+                <a:r>
+                  <a:rPr lang="en-US" sz="900" dirty="0"/>
+                  <a:t>days</a:t>
+                </a:r>
+                <a:r>
+                  <a:rPr lang="en-US" dirty="0"/>
+                  <a:t>] + 3) 		</a:t>
+                </a:r>
+                <a:r>
+                  <a:rPr lang="en-US" sz="1200" dirty="0"/>
+                  <a:t>(based on the 1995 event)</a:t>
+                </a:r>
+                <a:endParaRPr lang="en-US" dirty="0"/>
+              </a:p>
+              <a:p>
+                <a:pPr algn="ctr"/>
+                <a:endParaRPr lang="en-US" dirty="0"/>
+              </a:p>
+              <a:p>
+                <a:pPr marL="285750" indent="-285750">
+                  <a:buFont typeface="Arial" panose="020B0604020202020204" pitchFamily="34" charset="0"/>
+                  <a:buChar char="•"/>
+                </a:pPr>
+                <a:r>
+                  <a:rPr lang="en-US" dirty="0"/>
+                  <a:t>Room for the River:</a:t>
+                </a:r>
+              </a:p>
+              <a:p>
+                <a:endParaRPr lang="en-US" dirty="0"/>
+              </a:p>
+              <a:p>
+                <a:endParaRPr lang="en-US" dirty="0"/>
+              </a:p>
+              <a:p>
+                <a:endParaRPr lang="en-US" dirty="0"/>
+              </a:p>
+              <a:p>
+                <a:endParaRPr lang="en-US" dirty="0"/>
+              </a:p>
+              <a:p>
+                <a:endParaRPr lang="en-US" dirty="0"/>
+              </a:p>
+              <a:p>
+                <a:endParaRPr lang="en-US" dirty="0"/>
+              </a:p>
+              <a:p>
+                <a:endParaRPr lang="en-US" dirty="0"/>
+              </a:p>
+              <a:p>
+                <a:endParaRPr lang="en-US" dirty="0"/>
+              </a:p>
+              <a:p>
+                <a:endParaRPr lang="en-US" dirty="0"/>
+              </a:p>
+              <a:p>
+                <a:endParaRPr lang="en-US" dirty="0"/>
+              </a:p>
+              <a:p>
+                <a:pPr marL="285750" indent="-285750">
+                  <a:buFont typeface="Arial" panose="020B0604020202020204" pitchFamily="34" charset="0"/>
+                  <a:buChar char="•"/>
+                </a:pPr>
+                <a:endParaRPr lang="en-US" dirty="0"/>
+              </a:p>
+              <a:p>
+                <a:pPr marL="285750" indent="-285750">
+                  <a:buFont typeface="Arial" panose="020B0604020202020204" pitchFamily="34" charset="0"/>
+                  <a:buChar char="•"/>
+                </a:pPr>
+                <a:endParaRPr lang="en-US" dirty="0"/>
+              </a:p>
+              <a:p>
+                <a:pPr marL="285750" indent="-285750">
+                  <a:buFont typeface="Arial" panose="020B0604020202020204" pitchFamily="34" charset="0"/>
+                  <a:buChar char="•"/>
+                </a:pPr>
+                <a:endParaRPr lang="en-US" dirty="0"/>
+              </a:p>
+              <a:p>
+                <a:pPr marL="285750" indent="-285750">
+                  <a:buFont typeface="Arial" panose="020B0604020202020204" pitchFamily="34" charset="0"/>
+                  <a:buChar char="•"/>
+                </a:pPr>
+                <a:endParaRPr lang="en-US" dirty="0"/>
               </a:p>
               <a:p>
                 <a:endParaRPr lang="en-US" dirty="0"/>
@@ -4275,7 +4227,7 @@
           </a:lstStyle>
           <a:p>
             <a:r>
-              <a:rPr lang="en-US" sz="3600" dirty="0" smtClean="0">
+              <a:rPr lang="en-US" sz="3600" dirty="0">
                 <a:solidFill>
                   <a:srgbClr val="00B0F0"/>
                 </a:solidFill>
@@ -4392,14 +4344,10 @@
           <a:p>
             <a:r>
               <a:rPr lang="en-US" sz="1400" dirty="0"/>
-              <a:t>p</a:t>
-            </a:r>
-            <a:r>
-              <a:rPr lang="en-US" sz="1400" dirty="0" smtClean="0"/>
-              <a:t>ics and data from </a:t>
-            </a:r>
-            <a:r>
-              <a:rPr lang="en-US" sz="1400" dirty="0" smtClean="0">
+              <a:t>pics and data from </a:t>
+            </a:r>
+            <a:r>
+              <a:rPr lang="en-US" sz="1400" dirty="0">
                 <a:hlinkClick r:id="rId6"/>
               </a:rPr>
               <a:t>kind et al. (2018)</a:t>
@@ -4431,18 +4379,17 @@
           <a:lstStyle/>
           <a:p>
             <a:r>
-              <a:rPr lang="en-US" sz="1400" dirty="0" smtClean="0"/>
+              <a:rPr lang="en-US" sz="1400" dirty="0"/>
               <a:t>cost function from </a:t>
             </a:r>
             <a:r>
-              <a:rPr lang="en-GB" sz="1400" dirty="0" err="1" smtClean="0"/>
+              <a:rPr lang="en-GB" sz="1400" dirty="0" err="1"/>
               <a:t>Eijgenraam</a:t>
             </a:r>
             <a:r>
-              <a:rPr lang="en-GB" sz="1400" dirty="0" smtClean="0"/>
+              <a:rPr lang="en-GB" sz="1400" dirty="0"/>
               <a:t> (2017)</a:t>
             </a:r>
-            <a:endParaRPr lang="en-GB" sz="1400" dirty="0"/>
           </a:p>
         </p:txBody>
       </p:sp>
@@ -4456,13 +4403,6 @@
   <p:clrMapOvr>
     <a:masterClrMapping/>
   </p:clrMapOvr>
-  <p:timing>
-    <p:tnLst>
-      <p:par>
-        <p:cTn id="1" dur="indefinite" restart="never" nodeType="tmRoot"/>
-      </p:par>
-    </p:tnLst>
-  </p:timing>
 </p:sld>
 </file>
 
@@ -4522,7 +4462,7 @@
           </a:lstStyle>
           <a:p>
             <a:r>
-              <a:rPr lang="en-US" dirty="0" smtClean="0"/>
+              <a:rPr lang="en-US" dirty="0"/>
               <a:t>Outcomes &amp; problem formulations</a:t>
             </a:r>
             <a:endParaRPr lang="en-GB" dirty="0"/>
@@ -4555,7 +4495,7 @@
               <a:buNone/>
             </a:pPr>
             <a:r>
-              <a:rPr lang="en-US" sz="2600" dirty="0" smtClean="0"/>
+              <a:rPr lang="en-US" sz="2600" dirty="0"/>
               <a:t>17 Outcomes of interest:</a:t>
             </a:r>
           </a:p>
@@ -4563,35 +4503,35 @@
             <a:pPr marL="0" indent="0">
               <a:buNone/>
             </a:pPr>
-            <a:endParaRPr lang="en-US" sz="2600" dirty="0" smtClean="0"/>
-          </a:p>
-          <a:p>
-            <a:r>
-              <a:rPr lang="en-US" sz="2600" dirty="0" smtClean="0"/>
+            <a:endParaRPr lang="en-US" sz="2600" dirty="0"/>
+          </a:p>
+          <a:p>
+            <a:r>
+              <a:rPr lang="en-US" sz="2600" dirty="0"/>
               <a:t>Expected Annual at each location</a:t>
             </a:r>
           </a:p>
           <a:p>
             <a:r>
-              <a:rPr lang="en-US" sz="2600" dirty="0" smtClean="0"/>
+              <a:rPr lang="en-US" sz="2600" dirty="0"/>
               <a:t>Expected Casualties at each location</a:t>
             </a:r>
           </a:p>
           <a:p>
             <a:r>
-              <a:rPr lang="en-US" sz="2600" dirty="0" smtClean="0"/>
+              <a:rPr lang="en-US" sz="2600" dirty="0"/>
               <a:t>Dike Investment costs at each location</a:t>
             </a:r>
           </a:p>
           <a:p>
             <a:r>
-              <a:rPr lang="en-US" sz="2600" dirty="0" smtClean="0"/>
+              <a:rPr lang="en-US" sz="2600" dirty="0"/>
               <a:t>Evacuation costs</a:t>
             </a:r>
           </a:p>
           <a:p>
             <a:r>
-              <a:rPr lang="en-US" sz="2600" dirty="0" smtClean="0"/>
+              <a:rPr lang="en-US" sz="2600" dirty="0"/>
               <a:t>Room for the river costs</a:t>
             </a:r>
           </a:p>
@@ -4599,15 +4539,15 @@
             <a:pPr marL="0" indent="0">
               <a:buNone/>
             </a:pPr>
-            <a:endParaRPr lang="en-US" sz="2600" dirty="0" smtClean="0"/>
+            <a:endParaRPr lang="en-US" sz="2600" dirty="0"/>
           </a:p>
           <a:p>
             <a:pPr marL="0" indent="0" algn="just">
               <a:buNone/>
             </a:pPr>
             <a:r>
-              <a:rPr lang="en-US" sz="2600" dirty="0" smtClean="0"/>
-              <a:t>You should make your own PF, and it should be properly justified. If using direct search, do not use too many objectives (do not exceed 13).</a:t>
+              <a:rPr lang="en-US" sz="2600" dirty="0"/>
+              <a:t>You should make your own PF, and it should be properly justified. If using direct search, do not use too many objectives (&lt;10).</a:t>
             </a:r>
             <a:endParaRPr lang="en-GB" dirty="0"/>
           </a:p>
@@ -4623,13 +4563,6 @@
   <p:clrMapOvr>
     <a:masterClrMapping/>
   </p:clrMapOvr>
-  <p:timing>
-    <p:tnLst>
-      <p:par>
-        <p:cTn id="1" dur="indefinite" restart="never" nodeType="tmRoot"/>
-      </p:par>
-    </p:tnLst>
-  </p:timing>
 </p:sld>
 </file>
 
@@ -4689,8 +4622,8 @@
           </a:lstStyle>
           <a:p>
             <a:r>
-              <a:rPr lang="en-US" smtClean="0"/>
-              <a:t>How does the model look like:</a:t>
+              <a:rPr lang="en-US" dirty="0"/>
+              <a:t>What does the model look like:</a:t>
             </a:r>
             <a:endParaRPr lang="en-GB" dirty="0"/>
           </a:p>
@@ -5151,7 +5084,7 @@
           <a:p>
             <a:pPr algn="just"/>
             <a:r>
-              <a:rPr lang="en-US" dirty="0" smtClean="0"/>
+              <a:rPr lang="en-US" dirty="0"/>
               <a:t>Input functions in order to model:</a:t>
             </a:r>
           </a:p>
@@ -5161,7 +5094,7 @@
               <a:buChar char="•"/>
             </a:pPr>
             <a:r>
-              <a:rPr lang="en-US" dirty="0" smtClean="0"/>
+              <a:rPr lang="en-US" dirty="0"/>
               <a:t>Dike failure occurrence and dynamic;</a:t>
             </a:r>
           </a:p>
@@ -5171,7 +5104,7 @@
               <a:buChar char="•"/>
             </a:pPr>
             <a:r>
-              <a:rPr lang="en-US" dirty="0" smtClean="0"/>
+              <a:rPr lang="en-US" dirty="0"/>
               <a:t>Dike raising costs and discounting of EAD;</a:t>
             </a:r>
           </a:p>
@@ -5181,7 +5114,7 @@
               <a:buChar char="•"/>
             </a:pPr>
             <a:r>
-              <a:rPr lang="en-US" dirty="0" smtClean="0"/>
+              <a:rPr lang="en-US" dirty="0"/>
               <a:t>Generate the network of locations containing all sort of info;</a:t>
             </a:r>
           </a:p>
@@ -5191,7 +5124,7 @@
               <a:buChar char="•"/>
             </a:pPr>
             <a:r>
-              <a:rPr lang="en-US" dirty="0" smtClean="0"/>
+              <a:rPr lang="en-US" dirty="0"/>
               <a:t>The statistic of high discharges upstream;</a:t>
             </a:r>
           </a:p>
@@ -5226,7 +5159,7 @@
           <a:p>
             <a:pPr algn="just"/>
             <a:r>
-              <a:rPr lang="en-US" dirty="0" smtClean="0"/>
+              <a:rPr lang="en-US" dirty="0"/>
               <a:t>Actual model simulating the whole chain;</a:t>
             </a:r>
           </a:p>
@@ -5261,7 +5194,7 @@
           <a:p>
             <a:pPr algn="just"/>
             <a:r>
-              <a:rPr lang="en-US" dirty="0" smtClean="0"/>
+              <a:rPr lang="en-US" dirty="0"/>
               <a:t>Call the problem formulation and run with the EMA-workbench :</a:t>
             </a:r>
           </a:p>
@@ -5271,7 +5204,7 @@
               <a:buChar char="•"/>
             </a:pPr>
             <a:r>
-              <a:rPr lang="en-US" dirty="0" smtClean="0"/>
+              <a:rPr lang="en-US" dirty="0"/>
               <a:t>search;</a:t>
             </a:r>
           </a:p>
@@ -5281,7 +5214,7 @@
               <a:buChar char="•"/>
             </a:pPr>
             <a:r>
-              <a:rPr lang="en-US" dirty="0" smtClean="0"/>
+              <a:rPr lang="en-US" dirty="0"/>
               <a:t>exploration;</a:t>
             </a:r>
           </a:p>
@@ -5316,7 +5249,7 @@
           <a:p>
             <a:pPr algn="just"/>
             <a:r>
-              <a:rPr lang="en-US" dirty="0" smtClean="0"/>
+              <a:rPr lang="en-US" dirty="0"/>
               <a:t>Function preparing levers, uncertainties and outcomes to input to the EMA-workbench by choosing one of the four problem formulations; </a:t>
             </a:r>
           </a:p>
@@ -5885,7 +5818,7 @@
           </a:lstStyle>
           <a:p>
             <a:r>
-              <a:rPr lang="en-US" smtClean="0"/>
+              <a:rPr lang="en-US"/>
               <a:t>dike_model_function.py</a:t>
             </a:r>
             <a:endParaRPr lang="en-GB" dirty="0"/>
@@ -5950,7 +5883,7 @@
           <a:lstStyle/>
           <a:p>
             <a:r>
-              <a:rPr lang="en-US" sz="1400" dirty="0" smtClean="0"/>
+              <a:rPr lang="en-US" sz="1400" dirty="0"/>
               <a:t>1- Hydrological routing function</a:t>
             </a:r>
             <a:endParaRPr lang="en-GB" sz="1400" dirty="0"/>
@@ -5981,23 +5914,23 @@
           <a:p>
             <a:pPr algn="just"/>
             <a:r>
-              <a:rPr lang="en-US" sz="1400" dirty="0" smtClean="0"/>
+              <a:rPr lang="en-US" sz="1400" dirty="0"/>
               <a:t>4- Uniformly sample events within the selected boundaries, and order them in descending order. In this way we assure to have decreasing EADs. The GEV relates to high discharges of the Rhine @</a:t>
             </a:r>
             <a:r>
-              <a:rPr lang="en-US" sz="1400" dirty="0" err="1" smtClean="0"/>
+              <a:rPr lang="en-US" sz="1400" dirty="0" err="1"/>
               <a:t>Lobith</a:t>
             </a:r>
             <a:r>
-              <a:rPr lang="en-US" sz="1400" dirty="0" smtClean="0"/>
+              <a:rPr lang="en-US" sz="1400" dirty="0"/>
               <a:t>, and  approx. (this is uncertain) 1/6 of it reaches the </a:t>
             </a:r>
             <a:r>
-              <a:rPr lang="en-US" sz="1400" dirty="0" err="1" smtClean="0"/>
+              <a:rPr lang="en-US" sz="1400" dirty="0" err="1"/>
               <a:t>IJssel</a:t>
             </a:r>
             <a:r>
-              <a:rPr lang="en-US" sz="1400" dirty="0" smtClean="0"/>
+              <a:rPr lang="en-US" sz="1400" dirty="0"/>
               <a:t>. </a:t>
             </a:r>
             <a:endParaRPr lang="en-GB" sz="1400" dirty="0"/>
@@ -6063,17 +5996,17 @@
           <a:p>
             <a:pPr algn="just"/>
             <a:r>
-              <a:rPr lang="en-US" sz="1400" dirty="0" smtClean="0"/>
+              <a:rPr lang="en-US" sz="1400" dirty="0"/>
               <a:t>2- Properties of the adopted </a:t>
             </a:r>
             <a:r>
-              <a:rPr lang="en-US" sz="1400" dirty="0" smtClean="0">
+              <a:rPr lang="en-US" sz="1400" dirty="0">
                 <a:hlinkClick r:id="rId3"/>
               </a:rPr>
               <a:t>GEV </a:t>
             </a:r>
             <a:r>
-              <a:rPr lang="en-US" sz="1400" dirty="0" smtClean="0"/>
+              <a:rPr lang="en-US" sz="1400" dirty="0"/>
               <a:t>distribution for upstream high discharges. You may want to play with its parameters to simulate climate change.</a:t>
             </a:r>
           </a:p>
@@ -6103,7 +6036,7 @@
           <a:p>
             <a:pPr algn="just"/>
             <a:r>
-              <a:rPr lang="en-US" sz="1400" dirty="0" smtClean="0"/>
+              <a:rPr lang="en-US" sz="1400" dirty="0"/>
               <a:t>3- Set the probability boundaries within which events are sampled. Usually in flood risk management we are interested in the upper tail. </a:t>
             </a:r>
             <a:endParaRPr lang="en-GB" sz="1400" dirty="0"/>
@@ -6204,46 +6137,26 @@
           <a:p>
             <a:pPr algn="just"/>
             <a:r>
-              <a:rPr lang="en-US" sz="1400" dirty="0" smtClean="0"/>
+              <a:rPr lang="en-US" sz="1400" dirty="0"/>
               <a:t>5- Find the probability of exceedance of each event, paramount to estimate risk (note: Its inverse is called </a:t>
             </a:r>
             <a:r>
-              <a:rPr lang="en-US" sz="1400" dirty="0" smtClean="0">
+              <a:rPr lang="en-US" sz="1400" dirty="0">
                 <a:hlinkClick r:id="rId4"/>
               </a:rPr>
               <a:t>Return Period</a:t>
             </a:r>
             <a:r>
-              <a:rPr lang="en-US" sz="1400" dirty="0" smtClean="0"/>
-              <a:t>). </a:t>
-            </a:r>
-            <a:r>
               <a:rPr lang="en-US" sz="1400" dirty="0"/>
-              <a:t>To give </a:t>
-            </a:r>
-            <a:r>
-              <a:rPr lang="en-US" sz="1400" dirty="0" smtClean="0"/>
-              <a:t>an </a:t>
+              <a:t>). To give an idea, this stretch is designed to withstand events whose RP is 1250 years, which means a non-</a:t>
+            </a:r>
+            <a:r>
+              <a:rPr lang="en-US" sz="1400" dirty="0" err="1"/>
+              <a:t>exceedence</a:t>
             </a:r>
             <a:r>
               <a:rPr lang="en-US" sz="1400" dirty="0"/>
-              <a:t>idea, this stretch is designed to withstand events whose </a:t>
-            </a:r>
-            <a:r>
-              <a:rPr lang="en-US" sz="1400" dirty="0" smtClean="0"/>
-              <a:t>RP is 1250 years, which means a non-</a:t>
-            </a:r>
-            <a:r>
-              <a:rPr lang="en-US" sz="1400" dirty="0" err="1" smtClean="0"/>
-              <a:t>exceedence</a:t>
-            </a:r>
-            <a:r>
-              <a:rPr lang="en-US" sz="1400" dirty="0"/>
-              <a:t> probability </a:t>
-            </a:r>
-            <a:r>
-              <a:rPr lang="en-US" sz="1400" dirty="0" smtClean="0"/>
-              <a:t>(like the one you set at point3) of 0.9992.</a:t>
+              <a:t> probability (like the one you set at point3) of 0.9992.</a:t>
             </a:r>
             <a:endParaRPr lang="en-GB" sz="1400" dirty="0"/>
           </a:p>
@@ -6750,7 +6663,7 @@
           </a:lstStyle>
           <a:p>
             <a:r>
-              <a:rPr lang="en-US" sz="3600" dirty="0" smtClean="0">
+              <a:rPr lang="en-US" sz="3600" dirty="0">
                 <a:solidFill>
                   <a:srgbClr val="00B0F0"/>
                 </a:solidFill>
@@ -7089,7 +7002,7 @@
             <a:lstStyle/>
             <a:p>
               <a:r>
-                <a:rPr lang="en-US" b="1" dirty="0" smtClean="0"/>
+                <a:rPr lang="en-US" b="1" dirty="0"/>
                 <a:t>uncertainties</a:t>
               </a:r>
               <a:endParaRPr lang="en-GB" b="1" dirty="0"/>
@@ -7121,7 +7034,7 @@
             <a:lstStyle/>
             <a:p>
               <a:r>
-                <a:rPr lang="en-US" b="1" dirty="0" smtClean="0"/>
+                <a:rPr lang="en-US" b="1" dirty="0"/>
                 <a:t>levers</a:t>
               </a:r>
               <a:endParaRPr lang="en-GB" b="1" dirty="0"/>
@@ -7434,7 +7347,7 @@
           <a:p>
             <a:pPr algn="ctr"/>
             <a:r>
-              <a:rPr lang="en-US" dirty="0" smtClean="0"/>
+              <a:rPr lang="en-US" dirty="0"/>
               <a:t>Real</a:t>
             </a:r>
             <a:endParaRPr lang="en-GB" dirty="0"/>
@@ -7470,7 +7383,7 @@
           <a:p>
             <a:pPr algn="ctr"/>
             <a:r>
-              <a:rPr lang="en-US" dirty="0" smtClean="0"/>
+              <a:rPr lang="en-US" dirty="0"/>
               <a:t>Category</a:t>
             </a:r>
             <a:endParaRPr lang="en-GB" dirty="0"/>
@@ -7506,7 +7419,7 @@
           <a:p>
             <a:pPr algn="ctr"/>
             <a:r>
-              <a:rPr lang="en-US" dirty="0" smtClean="0"/>
+              <a:rPr lang="en-US" dirty="0"/>
               <a:t>Integer</a:t>
             </a:r>
             <a:endParaRPr lang="en-GB" dirty="0"/>
@@ -7542,7 +7455,7 @@
           <a:p>
             <a:pPr algn="ctr"/>
             <a:r>
-              <a:rPr lang="en-US" dirty="0" smtClean="0"/>
+              <a:rPr lang="en-US" dirty="0"/>
               <a:t>Boolean</a:t>
             </a:r>
             <a:endParaRPr lang="en-GB" dirty="0"/>
@@ -8171,16 +8084,12 @@
           <a:p>
             <a:pPr algn="l"/>
             <a:r>
-              <a:rPr lang="en-US" sz="8800" dirty="0" smtClean="0">
+              <a:rPr lang="en-US" sz="8800" dirty="0">
                 <a:latin typeface="Arial"/>
                 <a:cs typeface="Arial"/>
               </a:rPr>
               <a:t>GOOD LUCK!</a:t>
             </a:r>
-            <a:endParaRPr lang="en-US" sz="8800" dirty="0">
-              <a:latin typeface="Arial"/>
-              <a:cs typeface="Arial"/>
-            </a:endParaRPr>
           </a:p>
         </p:txBody>
       </p:sp>
@@ -8194,13 +8103,6 @@
   <p:clrMapOvr>
     <a:masterClrMapping/>
   </p:clrMapOvr>
-  <p:timing>
-    <p:tnLst>
-      <p:par>
-        <p:cTn id="1" dur="indefinite" restart="never" nodeType="tmRoot"/>
-      </p:par>
-    </p:tnLst>
-  </p:timing>
 </p:sld>
 </file>
 
@@ -8242,7 +8144,7 @@
           <a:lstStyle/>
           <a:p>
             <a:r>
-              <a:rPr lang="en-US" dirty="0" smtClean="0"/>
+              <a:rPr lang="en-US" dirty="0"/>
               <a:t>References</a:t>
             </a:r>
             <a:endParaRPr lang="en-GB" dirty="0"/>
@@ -8309,11 +8211,7 @@
             </a:r>
             <a:r>
               <a:rPr lang="en-US" sz="4400" dirty="0"/>
-              <a:t>, 126–135</a:t>
-            </a:r>
-            <a:r>
-              <a:rPr lang="en-US" sz="4400" dirty="0" smtClean="0"/>
-              <a:t>.</a:t>
+              <a:t>, 126–135.</a:t>
             </a:r>
           </a:p>
           <a:p>
@@ -8370,7 +8268,7 @@
             </a:r>
           </a:p>
           <a:p>
-            <a:endParaRPr lang="en-US" sz="4400" dirty="0" smtClean="0"/>
+            <a:endParaRPr lang="en-US" sz="4400" dirty="0"/>
           </a:p>
           <a:p>
             <a:r>
@@ -8419,11 +8317,7 @@
             </a:r>
             <a:r>
               <a:rPr lang="en-GB" sz="4400" dirty="0"/>
-              <a:t>: 10.1029/2009WR008475</a:t>
-            </a:r>
-            <a:r>
-              <a:rPr lang="en-GB" sz="4400" dirty="0" smtClean="0"/>
-              <a:t>.</a:t>
+              <a:t>: 10.1029/2009WR008475.</a:t>
             </a:r>
           </a:p>
           <a:p>
@@ -8451,38 +8345,18 @@
               <a:t>, J.K. </a:t>
             </a:r>
             <a:r>
-              <a:rPr lang="en-GB" sz="4400" dirty="0" err="1" smtClean="0"/>
+              <a:rPr lang="en-GB" sz="4400" dirty="0" err="1"/>
               <a:t>Vrijling</a:t>
             </a:r>
             <a:r>
-              <a:rPr lang="en-GB" sz="4400" dirty="0" smtClean="0"/>
-              <a:t>, The </a:t>
-            </a:r>
-            <a:r>
               <a:rPr lang="en-GB" sz="4400" dirty="0"/>
-              <a:t>safety chain: A delusive </a:t>
-            </a:r>
-            <a:r>
-              <a:rPr lang="en-GB" sz="4400" dirty="0" smtClean="0"/>
-              <a:t>concept, Safety Science, Volume </a:t>
-            </a:r>
+              <a:t>, The safety chain: A delusive concept, Safety Science, Volume 50, Issue 5, 2012, Pages 1299-1303, </a:t>
+            </a:r>
+          </a:p>
+          <a:p>
             <a:r>
               <a:rPr lang="en-GB" sz="4400" dirty="0"/>
-              <a:t>50, Issue </a:t>
-            </a:r>
-            <a:r>
-              <a:rPr lang="en-GB" sz="4400" dirty="0" smtClean="0"/>
-              <a:t>5, 2012, Pages 1299-1303, </a:t>
-            </a:r>
-          </a:p>
-          <a:p>
-            <a:r>
-              <a:rPr lang="en-GB" sz="4400" dirty="0" smtClean="0"/>
-              <a:t>ISSN 0925-7535, https</a:t>
-            </a:r>
-            <a:r>
-              <a:rPr lang="en-GB" sz="4400" dirty="0"/>
-              <a:t>://doi.org/10.1016/j.ssci.2011.12.007.</a:t>
+              <a:t>ISSN 0925-7535, https://doi.org/10.1016/j.ssci.2011.12.007.</a:t>
             </a:r>
           </a:p>
           <a:p>
@@ -8490,13 +8364,12 @@
               <a:rPr lang="en-GB" sz="4400" dirty="0"/>
               <a:t>(http://www.sciencedirect.com/science/article/pii/S0925753511003201)</a:t>
             </a:r>
-            <a:endParaRPr lang="en-GB" sz="4400" dirty="0" smtClean="0"/>
           </a:p>
           <a:p>
             <a:endParaRPr lang="en-US" dirty="0"/>
           </a:p>
           <a:p>
-            <a:endParaRPr lang="en-GB" dirty="0" smtClean="0"/>
+            <a:endParaRPr lang="en-GB" dirty="0"/>
           </a:p>
           <a:p>
             <a:endParaRPr lang="en-US" dirty="0"/>
@@ -8505,7 +8378,7 @@
             <a:endParaRPr lang="en-GB" dirty="0"/>
           </a:p>
           <a:p>
-            <a:endParaRPr lang="en-US" dirty="0" smtClean="0"/>
+            <a:endParaRPr lang="en-US" dirty="0"/>
           </a:p>
           <a:p>
             <a:endParaRPr lang="en-US" dirty="0"/>
@@ -8528,13 +8401,6 @@
   <p:clrMapOvr>
     <a:masterClrMapping/>
   </p:clrMapOvr>
-  <p:timing>
-    <p:tnLst>
-      <p:par>
-        <p:cTn id="1" dur="indefinite" restart="never" nodeType="tmRoot"/>
-      </p:par>
-    </p:tnLst>
-  </p:timing>
 </p:sld>
 </file>
 
@@ -8579,22 +8445,22 @@
           <a:p>
             <a:pPr algn="ctr"/>
             <a:r>
-              <a:rPr lang="en-US" b="1" dirty="0" smtClean="0"/>
+              <a:rPr lang="en-US" b="1" dirty="0"/>
               <a:t>Aim of the project: </a:t>
             </a:r>
           </a:p>
           <a:p>
             <a:pPr algn="just"/>
             <a:r>
-              <a:rPr lang="en-US" dirty="0" smtClean="0"/>
+              <a:rPr lang="en-US" dirty="0"/>
               <a:t>Develop a flood risk management plan for the upper branch of the </a:t>
             </a:r>
             <a:r>
-              <a:rPr lang="en-US" dirty="0" err="1" smtClean="0"/>
+              <a:rPr lang="en-US" dirty="0" err="1"/>
               <a:t>IJssel</a:t>
             </a:r>
             <a:r>
-              <a:rPr lang="en-US" dirty="0" smtClean="0"/>
+              <a:rPr lang="en-US" dirty="0"/>
               <a:t> River applying the notions on decision-making under (deep) uncertainty acquired throughout the course.</a:t>
             </a:r>
           </a:p>
@@ -8604,7 +8470,7 @@
           </a:p>
           <a:p>
             <a:pPr algn="just"/>
-            <a:endParaRPr lang="en-US" dirty="0" smtClean="0"/>
+            <a:endParaRPr lang="en-US" dirty="0"/>
           </a:p>
           <a:p>
             <a:pPr algn="just"/>
@@ -8612,51 +8478,51 @@
           </a:p>
           <a:p>
             <a:pPr algn="just"/>
-            <a:endParaRPr lang="en-US" dirty="0" smtClean="0"/>
-          </a:p>
-          <a:p>
-            <a:pPr algn="just"/>
-            <a:endParaRPr lang="en-US" dirty="0" smtClean="0"/>
+            <a:endParaRPr lang="en-US" dirty="0"/>
           </a:p>
           <a:p>
             <a:pPr algn="just"/>
             <a:endParaRPr lang="en-US" dirty="0"/>
           </a:p>
           <a:p>
+            <a:pPr algn="just"/>
+            <a:endParaRPr lang="en-US" dirty="0"/>
+          </a:p>
+          <a:p>
             <a:pPr algn="ctr"/>
             <a:r>
-              <a:rPr lang="en-US" b="1" dirty="0" smtClean="0"/>
+              <a:rPr lang="en-US" b="1" dirty="0"/>
               <a:t>What is a flood?</a:t>
             </a:r>
           </a:p>
           <a:p>
             <a:pPr algn="just"/>
             <a:r>
-              <a:rPr lang="en-US" sz="1600" dirty="0" smtClean="0"/>
+              <a:rPr lang="en-US" sz="1600" dirty="0"/>
               <a:t>From Wikipedia: </a:t>
             </a:r>
             <a:r>
-              <a:rPr lang="en-US" i="1" dirty="0" smtClean="0"/>
+              <a:rPr lang="en-US" i="1" dirty="0"/>
               <a:t>A flood is an overflow of water that submerges land that is usually dry.</a:t>
             </a:r>
           </a:p>
           <a:p>
-            <a:endParaRPr lang="en-US" dirty="0" smtClean="0"/>
-          </a:p>
-          <a:p>
-            <a:endParaRPr lang="en-US" dirty="0" smtClean="0"/>
+            <a:endParaRPr lang="en-US" dirty="0"/>
+          </a:p>
+          <a:p>
+            <a:endParaRPr lang="en-US" dirty="0"/>
           </a:p>
           <a:p>
             <a:pPr algn="ctr"/>
             <a:r>
-              <a:rPr lang="en-US" b="1" dirty="0" smtClean="0"/>
+              <a:rPr lang="en-US" b="1" dirty="0"/>
               <a:t>What is flood risk management (FRM)?</a:t>
             </a:r>
           </a:p>
           <a:p>
             <a:pPr algn="just"/>
             <a:r>
-              <a:rPr lang="en-US" sz="1600" dirty="0" smtClean="0"/>
+              <a:rPr lang="en-US" sz="1600" dirty="0"/>
               <a:t>From Hall </a:t>
             </a:r>
             <a:r>
@@ -8665,50 +8531,22 @@
             </a:r>
             <a:r>
               <a:rPr lang="en-US" sz="1600" dirty="0"/>
-              <a:t>(</a:t>
-            </a:r>
-            <a:r>
-              <a:rPr lang="en-US" sz="1600" dirty="0" smtClean="0"/>
-              <a:t>2003): </a:t>
-            </a:r>
-            <a:r>
-              <a:rPr lang="en-US" dirty="0" smtClean="0"/>
+              <a:t>(2003): </a:t>
+            </a:r>
+            <a:r>
+              <a:rPr lang="en-US" dirty="0"/>
               <a:t>FRM </a:t>
             </a:r>
             <a:r>
-              <a:rPr lang="en-US" i="1" dirty="0" smtClean="0"/>
-              <a:t>is the </a:t>
-            </a:r>
-            <a:r>
               <a:rPr lang="en-US" i="1" dirty="0"/>
-              <a:t>process of data and </a:t>
-            </a:r>
-            <a:r>
-              <a:rPr lang="en-US" i="1" dirty="0" smtClean="0"/>
-              <a:t>information gathering</a:t>
-            </a:r>
-            <a:r>
-              <a:rPr lang="en-US" i="1" dirty="0"/>
-              <a:t>, risk assessment, appraisal of options, and making, </a:t>
-            </a:r>
-            <a:r>
-              <a:rPr lang="en-US" i="1" dirty="0" smtClean="0"/>
-              <a:t>implementing and </a:t>
-            </a:r>
-            <a:r>
-              <a:rPr lang="en-US" i="1" dirty="0"/>
-              <a:t>reviewing decisions to reduce, control, accept or redistribute risks </a:t>
-            </a:r>
-            <a:r>
-              <a:rPr lang="en-US" i="1" dirty="0" smtClean="0"/>
-              <a:t>of </a:t>
-            </a:r>
-            <a:r>
-              <a:rPr lang="en-GB" i="1" dirty="0" smtClean="0"/>
+              <a:t>is the process of data and information gathering, risk assessment, appraisal of options, and making, implementing and reviewing decisions to reduce, control, accept or redistribute risks of </a:t>
+            </a:r>
+            <a:r>
+              <a:rPr lang="en-GB" i="1" dirty="0"/>
               <a:t>flooding</a:t>
             </a:r>
             <a:r>
-              <a:rPr lang="en-GB" dirty="0" smtClean="0"/>
+              <a:rPr lang="en-GB" dirty="0"/>
               <a:t>”. </a:t>
             </a:r>
           </a:p>
@@ -8805,7 +8643,7 @@
             <a:p>
               <a:pPr algn="just"/>
               <a:r>
-                <a:rPr lang="en-US" dirty="0" smtClean="0"/>
+                <a:rPr lang="en-US" dirty="0"/>
                 <a:t>this is not a mere modelling project, though modelling takes a big share of it! Each project must appropriately comment on the policy implications of the adopted strategies.</a:t>
               </a:r>
             </a:p>
@@ -9239,7 +9077,7 @@
                   <a:buNone/>
                 </a:pPr>
                 <a:r>
-                  <a:rPr lang="en-US" b="1" dirty="0" smtClean="0"/>
+                  <a:rPr lang="en-US" b="1" dirty="0"/>
                   <a:t>A (rather technical) definition of flood risk:</a:t>
                 </a:r>
               </a:p>
@@ -9269,7 +9107,7 @@
                         <m:dPr>
                           <m:ctrlPr>
                             <a:rPr lang="en-GB" i="1">
-                              <a:latin typeface="Cambria Math"/>
+                              <a:latin typeface="Cambria Math" panose="02040503050406030204" pitchFamily="18" charset="0"/>
                             </a:rPr>
                           </m:ctrlPr>
                         </m:dPr>
@@ -9293,7 +9131,7 @@
                           <m:limLoc m:val="undOvr"/>
                           <m:ctrlPr>
                             <a:rPr lang="en-GB" i="1">
-                              <a:latin typeface="Cambria Math"/>
+                              <a:latin typeface="Cambria Math" panose="02040503050406030204" pitchFamily="18" charset="0"/>
                             </a:rPr>
                           </m:ctrlPr>
                         </m:naryPr>
@@ -9302,7 +9140,7 @@
                             <m:sSubPr>
                               <m:ctrlPr>
                                 <a:rPr lang="en-GB" i="1">
-                                  <a:latin typeface="Cambria Math"/>
+                                  <a:latin typeface="Cambria Math" panose="02040503050406030204" pitchFamily="18" charset="0"/>
                                 </a:rPr>
                               </m:ctrlPr>
                             </m:sSubPr>
@@ -9325,7 +9163,7 @@
                                 <m:dPr>
                                   <m:ctrlPr>
                                     <a:rPr lang="en-GB" i="1">
-                                      <a:latin typeface="Cambria Math"/>
+                                      <a:latin typeface="Cambria Math" panose="02040503050406030204" pitchFamily="18" charset="0"/>
                                     </a:rPr>
                                   </m:ctrlPr>
                                 </m:dPr>
@@ -9354,7 +9192,7 @@
                             <m:sSubPr>
                               <m:ctrlPr>
                                 <a:rPr lang="en-GB" i="1">
-                                  <a:latin typeface="Cambria Math"/>
+                                  <a:latin typeface="Cambria Math" panose="02040503050406030204" pitchFamily="18" charset="0"/>
                                 </a:rPr>
                               </m:ctrlPr>
                             </m:sSubPr>
@@ -9381,7 +9219,7 @@
                         <m:dPr>
                           <m:ctrlPr>
                             <a:rPr lang="en-GB" i="1">
-                              <a:latin typeface="Cambria Math"/>
+                              <a:latin typeface="Cambria Math" panose="02040503050406030204" pitchFamily="18" charset="0"/>
                             </a:rPr>
                           </m:ctrlPr>
                         </m:dPr>
@@ -9416,7 +9254,7 @@
                         <m:dPr>
                           <m:ctrlPr>
                             <a:rPr lang="en-GB" i="1">
-                              <a:latin typeface="Cambria Math"/>
+                              <a:latin typeface="Cambria Math" panose="02040503050406030204" pitchFamily="18" charset="0"/>
                             </a:rPr>
                           </m:ctrlPr>
                         </m:dPr>
@@ -9450,7 +9288,7 @@
                     </m:oMath>
                   </m:oMathPara>
                 </a14:m>
-                <a:endParaRPr lang="en-US" b="1" dirty="0" smtClean="0"/>
+                <a:endParaRPr lang="en-US" b="1" dirty="0"/>
               </a:p>
               <a:p>
                 <a:pPr marL="0" indent="0">
@@ -9462,7 +9300,7 @@
                 <a:pPr marL="0" indent="0">
                   <a:buNone/>
                 </a:pPr>
-                <a:endParaRPr lang="en-US" i="1" dirty="0" smtClean="0"/>
+                <a:endParaRPr lang="en-US" i="1" dirty="0"/>
               </a:p>
               <a:p>
                 <a:pPr marL="0" indent="0">
@@ -9472,40 +9310,32 @@
               </a:p>
               <a:p>
                 <a:r>
-                  <a:rPr lang="en-US" i="1" dirty="0" smtClean="0"/>
+                  <a:rPr lang="en-US" i="1" dirty="0"/>
                   <a:t>h</a:t>
                 </a:r>
                 <a:r>
-                  <a:rPr lang="en-US" dirty="0" smtClean="0"/>
+                  <a:rPr lang="en-US" dirty="0"/>
                   <a:t> is the water level;</a:t>
                 </a:r>
               </a:p>
               <a:p>
                 <a:r>
-                  <a:rPr lang="en-US" i="1" dirty="0" smtClean="0"/>
+                  <a:rPr lang="en-US" i="1" dirty="0"/>
                   <a:t>t</a:t>
                 </a:r>
                 <a:r>
-                  <a:rPr lang="en-US" dirty="0" smtClean="0"/>
+                  <a:rPr lang="en-US" dirty="0"/>
                   <a:t> time;</a:t>
                 </a:r>
               </a:p>
               <a:p>
                 <a:r>
-                  <a:rPr lang="en-US" i="1" dirty="0" smtClean="0"/>
+                  <a:rPr lang="en-US" i="1" dirty="0"/>
                   <a:t>R</a:t>
                 </a:r>
                 <a:r>
-                  <a:rPr lang="en-US" dirty="0" smtClean="0"/>
-                  <a:t> </a:t>
-                </a:r>
-                <a:r>
                   <a:rPr lang="en-US" dirty="0"/>
-                  <a:t>is risk or, also, Expected Annual Damage (EAD</a:t>
-                </a:r>
-                <a:r>
-                  <a:rPr lang="en-US" dirty="0" smtClean="0"/>
-                  <a:t>);</a:t>
+                  <a:t> is risk or, also, Expected Annual Damage (EAD);</a:t>
                 </a:r>
               </a:p>
               <a:p>
@@ -9515,7 +9345,7 @@
                       <m:sSubPr>
                         <m:ctrlPr>
                           <a:rPr lang="en-GB" i="1">
-                            <a:latin typeface="Cambria Math"/>
+                            <a:latin typeface="Cambria Math" panose="02040503050406030204" pitchFamily="18" charset="0"/>
                           </a:rPr>
                         </m:ctrlPr>
                       </m:sSubPr>
@@ -9570,43 +9400,35 @@
                 </a14:m>
                 <a:r>
                   <a:rPr lang="en-US" dirty="0"/>
-                  <a:t> </a:t>
-                </a:r>
-                <a:r>
-                  <a:rPr lang="en-US" dirty="0" smtClean="0"/>
-                  <a:t>is the probability density function of h;</a:t>
+                  <a:t> is the probability density function of h;</a:t>
                 </a:r>
               </a:p>
               <a:p>
                 <a:r>
-                  <a:rPr lang="en-US" i="1" dirty="0" smtClean="0">
+                  <a:rPr lang="en-US" i="1" dirty="0">
                     <a:latin typeface="Cambria Math" panose="02040503050406030204" pitchFamily="18" charset="0"/>
                     <a:ea typeface="Cambria Math" panose="02040503050406030204" pitchFamily="18" charset="0"/>
                   </a:rPr>
                   <a:t>D(h, t)  </a:t>
                 </a:r>
                 <a:r>
-                  <a:rPr lang="en-US" dirty="0" smtClean="0"/>
-                  <a:t>is the estimated damage </a:t>
+                  <a:rPr lang="en-US" dirty="0"/>
+                  <a:t>is the estimated damage for a given </a:t>
+                </a:r>
+                <a:r>
+                  <a:rPr lang="en-US" i="1" dirty="0"/>
+                  <a:t>h, </a:t>
                 </a:r>
                 <a:r>
                   <a:rPr lang="en-US" dirty="0"/>
-                  <a:t>for a given </a:t>
-                </a:r>
-                <a:r>
-                  <a:rPr lang="en-US" i="1" dirty="0" smtClean="0"/>
-                  <a:t>h, </a:t>
-                </a:r>
-                <a:r>
-                  <a:rPr lang="en-US" dirty="0" smtClean="0"/>
                   <a:t>at given </a:t>
                 </a:r>
                 <a:r>
-                  <a:rPr lang="en-US" i="1" dirty="0" smtClean="0"/>
+                  <a:rPr lang="en-US" i="1" dirty="0"/>
                   <a:t>t</a:t>
                 </a:r>
                 <a:r>
-                  <a:rPr lang="en-US" dirty="0" smtClean="0"/>
+                  <a:rPr lang="en-US" dirty="0"/>
                   <a:t>;</a:t>
                 </a:r>
               </a:p>
@@ -9617,7 +9439,7 @@
                       <m:sSubPr>
                         <m:ctrlPr>
                           <a:rPr lang="en-GB" i="1">
-                            <a:latin typeface="Cambria Math"/>
+                            <a:latin typeface="Cambria Math" panose="02040503050406030204" pitchFamily="18" charset="0"/>
                           </a:rPr>
                         </m:ctrlPr>
                       </m:sSubPr>
@@ -9640,7 +9462,7 @@
                           <m:dPr>
                             <m:ctrlPr>
                               <a:rPr lang="en-GB" i="1">
-                                <a:latin typeface="Cambria Math"/>
+                                <a:latin typeface="Cambria Math" panose="02040503050406030204" pitchFamily="18" charset="0"/>
                               </a:rPr>
                             </m:ctrlPr>
                           </m:dPr>
@@ -9659,18 +9481,14 @@
                 </a14:m>
                 <a:r>
                   <a:rPr lang="en-US" dirty="0"/>
-                  <a:t> is the water level above which flood damage </a:t>
-                </a:r>
-                <a:r>
-                  <a:rPr lang="en-US" dirty="0" smtClean="0"/>
-                  <a:t>occurs;</a:t>
+                  <a:t> is the water level above which flood damage occurs;</a:t>
                 </a:r>
               </a:p>
               <a:p>
                 <a:pPr marL="0" indent="0">
                   <a:buNone/>
                 </a:pPr>
-                <a:endParaRPr lang="en-US" dirty="0" smtClean="0"/>
+                <a:endParaRPr lang="en-US" dirty="0"/>
               </a:p>
               <a:p>
                 <a:endParaRPr lang="en-GB" dirty="0"/>
@@ -9789,18 +9607,18 @@
             <a:p>
               <a:pPr algn="ctr"/>
               <a:r>
-                <a:rPr lang="en-US" dirty="0" smtClean="0"/>
+                <a:rPr lang="en-US" dirty="0"/>
                 <a:t>Flood </a:t>
               </a:r>
               <a:r>
-                <a:rPr lang="en-US" b="1" dirty="0" smtClean="0"/>
+                <a:rPr lang="en-US" b="1" dirty="0"/>
                 <a:t>protection </a:t>
               </a:r>
             </a:p>
             <a:p>
               <a:pPr algn="ctr"/>
               <a:r>
-                <a:rPr lang="en-US" dirty="0" smtClean="0"/>
+                <a:rPr lang="en-US" dirty="0"/>
                 <a:t>measures</a:t>
               </a:r>
               <a:endParaRPr lang="en-GB" dirty="0"/>
@@ -9881,18 +9699,18 @@
             <a:p>
               <a:pPr algn="ctr"/>
               <a:r>
-                <a:rPr lang="en-US" dirty="0" smtClean="0"/>
+                <a:rPr lang="en-US" dirty="0"/>
                 <a:t>Flood </a:t>
               </a:r>
               <a:r>
-                <a:rPr lang="en-US" b="1" dirty="0" smtClean="0"/>
+                <a:rPr lang="en-US" b="1" dirty="0"/>
                 <a:t>mitigation </a:t>
               </a:r>
             </a:p>
             <a:p>
               <a:pPr algn="ctr"/>
               <a:r>
-                <a:rPr lang="en-US" dirty="0" smtClean="0"/>
+                <a:rPr lang="en-US" dirty="0"/>
                 <a:t>measures</a:t>
               </a:r>
               <a:endParaRPr lang="en-GB" dirty="0"/>
@@ -9923,23 +9741,23 @@
           <a:lstStyle/>
           <a:p>
             <a:r>
-              <a:rPr lang="en-US" dirty="0" smtClean="0"/>
+              <a:rPr lang="en-US" dirty="0"/>
               <a:t>According to the scope of the measure in decreasing either </a:t>
             </a:r>
             <a:r>
-              <a:rPr lang="en-US" i="1" dirty="0" smtClean="0"/>
+              <a:rPr lang="en-US" i="1" dirty="0"/>
               <a:t>f</a:t>
             </a:r>
             <a:r>
-              <a:rPr lang="en-US" dirty="0" smtClean="0"/>
+              <a:rPr lang="en-US" dirty="0"/>
               <a:t> or </a:t>
             </a:r>
             <a:r>
-              <a:rPr lang="en-US" i="1" dirty="0" smtClean="0"/>
+              <a:rPr lang="en-US" i="1" dirty="0"/>
               <a:t>D</a:t>
             </a:r>
             <a:r>
-              <a:rPr lang="en-US" dirty="0" smtClean="0"/>
+              <a:rPr lang="en-US" dirty="0"/>
               <a:t>, we distinguish:</a:t>
             </a:r>
             <a:endParaRPr lang="en-GB" dirty="0"/>
@@ -10369,7 +10187,7 @@
           <a:lstStyle/>
           <a:p>
             <a:r>
-              <a:rPr lang="en-US" dirty="0" smtClean="0"/>
+              <a:rPr lang="en-US" dirty="0"/>
               <a:t>Flood protection measures</a:t>
             </a:r>
             <a:endParaRPr lang="en-GB" dirty="0"/>
@@ -10399,7 +10217,7 @@
           <a:lstStyle/>
           <a:p>
             <a:r>
-              <a:rPr lang="en-US" sz="2700" dirty="0" smtClean="0"/>
+              <a:rPr lang="en-US" sz="2700" dirty="0"/>
               <a:t>Build/raise dikes, dunes and dams. It prevents the occurrence of flood events by increasing the resistance of the embankment system;</a:t>
             </a:r>
           </a:p>
@@ -10408,16 +10226,8 @@
           </a:p>
           <a:p>
             <a:r>
-              <a:rPr lang="en-US" sz="2700" dirty="0" smtClean="0"/>
-              <a:t>Increase the capacity of the river bad (so-called room for the river). </a:t>
-            </a:r>
-            <a:r>
               <a:rPr lang="en-US" sz="2700" dirty="0"/>
-              <a:t>It prevents the occurrence of flood events by </a:t>
-            </a:r>
-            <a:r>
-              <a:rPr lang="en-US" sz="2700" dirty="0" smtClean="0"/>
-              <a:t>allowing higher discharges (volume of water per unit time) to be safely conveyed into the river;</a:t>
+              <a:t>Increase the capacity of the river bed (so-called room for the river). It prevents the occurrence of flood events by allowing higher discharges (volume of water per unit time) to be safely conveyed into the river;</a:t>
             </a:r>
           </a:p>
         </p:txBody>
@@ -10432,13 +10242,6 @@
   <p:clrMapOvr>
     <a:masterClrMapping/>
   </p:clrMapOvr>
-  <p:timing>
-    <p:tnLst>
-      <p:par>
-        <p:cTn id="1" dur="indefinite" restart="never" nodeType="tmRoot"/>
-      </p:par>
-    </p:tnLst>
-  </p:timing>
 </p:sld>
 </file>
 
@@ -10483,7 +10286,7 @@
           <a:lstStyle/>
           <a:p>
             <a:r>
-              <a:rPr lang="en-US" dirty="0" smtClean="0"/>
+              <a:rPr lang="en-US" dirty="0"/>
               <a:t>Flood mitigation measures</a:t>
             </a:r>
             <a:endParaRPr lang="en-GB" dirty="0"/>
@@ -10513,7 +10316,7 @@
           <a:lstStyle/>
           <a:p>
             <a:r>
-              <a:rPr lang="en-US" dirty="0" smtClean="0"/>
+              <a:rPr lang="en-US" dirty="0"/>
               <a:t>Early warning systems. It allows a timely communication of the threat;</a:t>
             </a:r>
           </a:p>
@@ -10522,7 +10325,7 @@
           </a:p>
           <a:p>
             <a:r>
-              <a:rPr lang="en-US" dirty="0" smtClean="0"/>
+              <a:rPr lang="en-US" dirty="0"/>
               <a:t>Elevated buildings. It allows buildings to withstand higher water levels before experiencing damage;</a:t>
             </a:r>
           </a:p>
@@ -10531,7 +10334,7 @@
           </a:p>
           <a:p>
             <a:r>
-              <a:rPr lang="en-US" dirty="0" smtClean="0"/>
+              <a:rPr lang="en-US" dirty="0"/>
               <a:t>Awareness raising actions. It fosters appropriate and responsible behavior amongst the affected people in case of floods, which then take precautionary measures (e.g. by moving valuable items to elevated areas);</a:t>
             </a:r>
             <a:endParaRPr lang="en-GB" dirty="0"/>
@@ -10548,13 +10351,6 @@
   <p:clrMapOvr>
     <a:masterClrMapping/>
   </p:clrMapOvr>
-  <p:timing>
-    <p:tnLst>
-      <p:par>
-        <p:cTn id="1" dur="indefinite" restart="never" nodeType="tmRoot"/>
-      </p:par>
-    </p:tnLst>
-  </p:timing>
 </p:sld>
 </file>
 
@@ -10596,7 +10392,7 @@
           <a:lstStyle/>
           <a:p>
             <a:r>
-              <a:rPr lang="en-US" dirty="0" smtClean="0"/>
+              <a:rPr lang="en-US" dirty="0"/>
               <a:t>How to choose measures:</a:t>
             </a:r>
             <a:endParaRPr lang="en-GB" dirty="0"/>
@@ -10734,19 +10530,19 @@
           <a:lstStyle/>
           <a:p>
             <a:r>
-              <a:rPr lang="en-US" i="1" dirty="0" smtClean="0"/>
+              <a:rPr lang="en-US" i="1" dirty="0"/>
               <a:t>Search</a:t>
             </a:r>
             <a:r>
-              <a:rPr lang="en-US" dirty="0" smtClean="0"/>
+              <a:rPr lang="en-US" dirty="0"/>
               <a:t> for the </a:t>
             </a:r>
             <a:r>
-              <a:rPr lang="en-US" i="1" dirty="0" smtClean="0"/>
+              <a:rPr lang="en-US" i="1" dirty="0"/>
               <a:t>optimal</a:t>
             </a:r>
             <a:r>
-              <a:rPr lang="en-US" dirty="0" smtClean="0"/>
+              <a:rPr lang="en-US" dirty="0"/>
               <a:t> (design) protection level:</a:t>
             </a:r>
             <a:endParaRPr lang="en-GB" dirty="0"/>
@@ -10776,11 +10572,11 @@
           <a:lstStyle/>
           <a:p>
             <a:r>
-              <a:rPr lang="en-US" i="1" dirty="0" smtClean="0"/>
+              <a:rPr lang="en-US" i="1" dirty="0"/>
               <a:t>Explore </a:t>
             </a:r>
             <a:r>
-              <a:rPr lang="en-US" dirty="0" smtClean="0"/>
+              <a:rPr lang="en-US" dirty="0"/>
               <a:t>the pool of available measures, trading-off risk and costs:</a:t>
             </a:r>
             <a:endParaRPr lang="en-GB" dirty="0"/>
@@ -11034,7 +10830,7 @@
           </a:lstStyle>
           <a:p>
             <a:r>
-              <a:rPr lang="en-US" dirty="0" smtClean="0"/>
+              <a:rPr lang="en-US" dirty="0"/>
               <a:t>Flood risk assessment: the modelling chain</a:t>
             </a:r>
             <a:endParaRPr lang="en-GB" dirty="0"/>
@@ -11132,11 +10928,11 @@
             <a:lstStyle/>
             <a:p>
               <a:r>
-                <a:rPr lang="en-US" b="1" dirty="0" smtClean="0"/>
+                <a:rPr lang="en-US" b="1" dirty="0"/>
                 <a:t>For a description of the chain and much more, see </a:t>
               </a:r>
               <a:r>
-                <a:rPr lang="en-US" b="1" dirty="0" smtClean="0">
+                <a:rPr lang="en-US" b="1" dirty="0">
                   <a:hlinkClick r:id="rId3"/>
                 </a:rPr>
                 <a:t>here</a:t>
@@ -11156,13 +10952,6 @@
   <p:clrMapOvr>
     <a:masterClrMapping/>
   </p:clrMapOvr>
-  <p:timing>
-    <p:tnLst>
-      <p:par>
-        <p:cTn id="1" dur="indefinite" restart="never" nodeType="tmRoot"/>
-      </p:par>
-    </p:tnLst>
-  </p:timing>
 </p:sld>
 </file>
 
@@ -11205,18 +10994,14 @@
           <a:p>
             <a:r>
               <a:rPr lang="en-US" dirty="0"/>
-              <a:t>C</a:t>
-            </a:r>
-            <a:r>
-              <a:rPr lang="en-US" dirty="0" smtClean="0"/>
-              <a:t>ase study: the </a:t>
-            </a:r>
-            <a:r>
-              <a:rPr lang="en-US" dirty="0" err="1" smtClean="0"/>
+              <a:t>Case study: the </a:t>
+            </a:r>
+            <a:r>
+              <a:rPr lang="en-US" dirty="0" err="1"/>
               <a:t>IJssel</a:t>
             </a:r>
             <a:r>
-              <a:rPr lang="en-US" dirty="0" smtClean="0"/>
+              <a:rPr lang="en-US" dirty="0"/>
               <a:t> River</a:t>
             </a:r>
             <a:endParaRPr lang="en-GB" dirty="0"/>
@@ -11596,7 +11381,7 @@
           </a:lstStyle>
           <a:p>
             <a:r>
-              <a:rPr lang="en-US" sz="3600" dirty="0" smtClean="0">
+              <a:rPr lang="en-US" sz="3600" dirty="0">
                 <a:solidFill>
                   <a:srgbClr val="00B0F0"/>
                 </a:solidFill>
@@ -11643,7 +11428,7 @@
               <a:t>b</a:t>
             </a:r>
             <a:r>
-              <a:rPr lang="en-US" sz="1600" dirty="0" smtClean="0"/>
+              <a:rPr lang="en-US" sz="1600" dirty="0"/>
               <a:t>. Evaluate failure</a:t>
             </a:r>
             <a:endParaRPr lang="en-GB" sz="1600" dirty="0"/>
@@ -11678,7 +11463,7 @@
               <a:t>c</a:t>
             </a:r>
             <a:r>
-              <a:rPr lang="en-US" sz="1600" dirty="0" smtClean="0"/>
+              <a:rPr lang="en-US" sz="1600" dirty="0"/>
               <a:t>. Assess flooding discharge through a weir formula</a:t>
             </a:r>
             <a:endParaRPr lang="en-GB" sz="1600" dirty="0"/>
@@ -12004,19 +11789,19 @@
           <a:lstStyle/>
           <a:p>
             <a:r>
-              <a:rPr lang="en-US" sz="1300" dirty="0" smtClean="0"/>
+              <a:rPr lang="en-US" sz="1300" dirty="0"/>
               <a:t>If any of the </a:t>
             </a:r>
             <a:r>
-              <a:rPr lang="en-US" sz="1300" dirty="0" err="1" smtClean="0"/>
+              <a:rPr lang="en-US" sz="1300" dirty="0" err="1"/>
               <a:t>wl</a:t>
             </a:r>
             <a:r>
-              <a:rPr lang="en-US" sz="1300" dirty="0" smtClean="0"/>
+              <a:rPr lang="en-US" sz="1300" dirty="0"/>
               <a:t> from step 1 &gt; critical water level </a:t>
             </a:r>
             <a:r>
-              <a:rPr lang="en-US" sz="1300" b="1" dirty="0" smtClean="0">
+              <a:rPr lang="en-US" sz="1300" b="1" dirty="0">
                 <a:sym typeface="Wingdings" panose="05000000000000000000" pitchFamily="2" charset="2"/>
               </a:rPr>
               <a:t> failure</a:t>
@@ -12168,7 +11953,7 @@
           <a:graphicData uri="http://schemas.openxmlformats.org/presentationml/2006/ole">
             <mc:AlternateContent xmlns:mc="http://schemas.openxmlformats.org/markup-compatibility/2006">
               <mc:Choice xmlns:v="urn:schemas-microsoft-com:vml" Requires="v">
-                <p:oleObj spid="_x0000_s2057" name="Equation" r:id="rId8" imgW="977760" imgH="228600" progId="Equation.DSMT4">
+                <p:oleObj spid="_x0000_s2058" name="Equation" r:id="rId8" imgW="977760" imgH="228600" progId="Equation.DSMT4">
                   <p:embed/>
                 </p:oleObj>
               </mc:Choice>
@@ -12567,7 +12352,7 @@
                   <a:lstStyle/>
                   <a:p>
                     <a:r>
-                      <a:rPr lang="en-US" dirty="0" smtClean="0"/>
+                      <a:rPr lang="en-US" dirty="0"/>
                       <a:t>*</a:t>
                     </a:r>
                     <a:endParaRPr lang="en-GB" dirty="0"/>
@@ -12674,7 +12459,7 @@
               <a:lstStyle/>
               <a:p>
                 <a:r>
-                  <a:rPr lang="en-US" b="1" dirty="0" smtClean="0"/>
+                  <a:rPr lang="en-US" b="1" dirty="0"/>
                   <a:t>1</a:t>
                 </a:r>
                 <a:endParaRPr lang="en-GB" b="1" dirty="0"/>
@@ -12889,7 +12674,7 @@
           <a:lstStyle/>
           <a:p>
             <a:r>
-              <a:rPr lang="en-US" b="1" dirty="0" smtClean="0"/>
+              <a:rPr lang="en-US" b="1" dirty="0"/>
               <a:t>3</a:t>
             </a:r>
             <a:endParaRPr lang="en-GB" b="1" dirty="0"/>
@@ -13021,7 +12806,7 @@
               <a:t>a</a:t>
             </a:r>
             <a:r>
-              <a:rPr lang="en-US" sz="1600" dirty="0" smtClean="0"/>
+              <a:rPr lang="en-US" sz="1600" dirty="0"/>
               <a:t>. Translate discharges into water levels</a:t>
             </a:r>
             <a:endParaRPr lang="en-GB" sz="1600" dirty="0"/>
@@ -13161,9 +12946,27 @@
                 <a:tableStyleId>{5C22544A-7EE6-4342-B048-85BDC9FD1C3A}</a:tableStyleId>
               </a:tblPr>
               <a:tblGrid>
-                <a:gridCol w="854126"/>
-                <a:gridCol w="674714"/>
-                <a:gridCol w="674714"/>
+                <a:gridCol w="854126">
+                  <a:extLst>
+                    <a:ext uri="{9D8B030D-6E8A-4147-A177-3AD203B41FA5}">
+                      <a16:colId xmlns:a16="http://schemas.microsoft.com/office/drawing/2014/main" val="20000"/>
+                    </a:ext>
+                  </a:extLst>
+                </a:gridCol>
+                <a:gridCol w="674714">
+                  <a:extLst>
+                    <a:ext uri="{9D8B030D-6E8A-4147-A177-3AD203B41FA5}">
+                      <a16:colId xmlns:a16="http://schemas.microsoft.com/office/drawing/2014/main" val="20001"/>
+                    </a:ext>
+                  </a:extLst>
+                </a:gridCol>
+                <a:gridCol w="674714">
+                  <a:extLst>
+                    <a:ext uri="{9D8B030D-6E8A-4147-A177-3AD203B41FA5}">
+                      <a16:colId xmlns:a16="http://schemas.microsoft.com/office/drawing/2014/main" val="20002"/>
+                    </a:ext>
+                  </a:extLst>
+                </a:gridCol>
               </a:tblGrid>
               <a:tr h="456415">
                 <a:tc>
@@ -13173,7 +12976,7 @@
                     <a:p>
                       <a:pPr algn="ctr"/>
                       <a:r>
-                        <a:rPr lang="en-US" sz="800" dirty="0" smtClean="0"/>
+                        <a:rPr lang="en-US" sz="800" dirty="0"/>
                         <a:t>Probability of the event</a:t>
                       </a:r>
                       <a:endParaRPr lang="en-GB" sz="800" dirty="0"/>
@@ -13188,7 +12991,7 @@
                     <a:p>
                       <a:pPr algn="ctr"/>
                       <a:r>
-                        <a:rPr lang="en-US" sz="800" dirty="0" smtClean="0"/>
+                        <a:rPr lang="en-US" sz="800" dirty="0"/>
                         <a:t>Water level</a:t>
                       </a:r>
                       <a:endParaRPr lang="en-GB" sz="800" dirty="0"/>
@@ -13203,7 +13006,7 @@
                     <a:p>
                       <a:pPr algn="ctr"/>
                       <a:r>
-                        <a:rPr lang="en-US" sz="800" dirty="0" smtClean="0"/>
+                        <a:rPr lang="en-US" sz="800" dirty="0"/>
                         <a:t>Damage</a:t>
                       </a:r>
                       <a:endParaRPr lang="en-GB" sz="800" dirty="0"/>
@@ -13211,6 +13014,11 @@
                   </a:txBody>
                   <a:tcPr/>
                 </a:tc>
+                <a:extLst>
+                  <a:ext uri="{0D108BD9-81ED-4DB2-BD59-A6C34878D82A}">
+                    <a16:rowId xmlns:a16="http://schemas.microsoft.com/office/drawing/2014/main" val="10000"/>
+                  </a:ext>
+                </a:extLst>
               </a:tr>
               <a:tr h="290445">
                 <a:tc>
@@ -13220,7 +13028,7 @@
                     <a:p>
                       <a:pPr algn="ctr"/>
                       <a:r>
-                        <a:rPr lang="en-US" sz="800" dirty="0" smtClean="0"/>
+                        <a:rPr lang="en-US" sz="800" dirty="0"/>
                         <a:t>…….</a:t>
                       </a:r>
                       <a:endParaRPr lang="en-GB" sz="800" dirty="0"/>
@@ -13235,7 +13043,7 @@
                     <a:p>
                       <a:pPr algn="ctr"/>
                       <a:r>
-                        <a:rPr lang="en-US" sz="800" dirty="0" smtClean="0"/>
+                        <a:rPr lang="en-US" sz="800" dirty="0"/>
                         <a:t>…….</a:t>
                       </a:r>
                       <a:endParaRPr lang="en-GB" sz="800" dirty="0"/>
@@ -13250,7 +13058,7 @@
                     <a:p>
                       <a:pPr algn="ctr"/>
                       <a:r>
-                        <a:rPr lang="en-US" sz="800" dirty="0" smtClean="0"/>
+                        <a:rPr lang="en-US" sz="800" dirty="0"/>
                         <a:t>…….</a:t>
                       </a:r>
                       <a:endParaRPr lang="en-GB" sz="800" dirty="0"/>
@@ -13258,6 +13066,11 @@
                   </a:txBody>
                   <a:tcPr/>
                 </a:tc>
+                <a:extLst>
+                  <a:ext uri="{0D108BD9-81ED-4DB2-BD59-A6C34878D82A}">
+                    <a16:rowId xmlns:a16="http://schemas.microsoft.com/office/drawing/2014/main" val="10001"/>
+                  </a:ext>
+                </a:extLst>
               </a:tr>
               <a:tr h="290445">
                 <a:tc>
@@ -13267,7 +13080,7 @@
                     <a:p>
                       <a:pPr algn="ctr"/>
                       <a:r>
-                        <a:rPr lang="en-US" sz="800" dirty="0" smtClean="0"/>
+                        <a:rPr lang="en-US" sz="800" dirty="0"/>
                         <a:t>……..</a:t>
                       </a:r>
                       <a:endParaRPr lang="en-GB" sz="800" dirty="0"/>
@@ -13282,7 +13095,7 @@
                     <a:p>
                       <a:pPr algn="ctr"/>
                       <a:r>
-                        <a:rPr lang="en-US" sz="800" dirty="0" smtClean="0"/>
+                        <a:rPr lang="en-US" sz="800" dirty="0"/>
                         <a:t>……..</a:t>
                       </a:r>
                       <a:endParaRPr lang="en-GB" sz="800" dirty="0"/>
@@ -13297,7 +13110,7 @@
                     <a:p>
                       <a:pPr algn="ctr"/>
                       <a:r>
-                        <a:rPr lang="en-US" sz="800" dirty="0" smtClean="0"/>
+                        <a:rPr lang="en-US" sz="800" dirty="0"/>
                         <a:t>……..</a:t>
                       </a:r>
                       <a:endParaRPr lang="en-GB" sz="800" dirty="0"/>
@@ -13305,6 +13118,11 @@
                   </a:txBody>
                   <a:tcPr/>
                 </a:tc>
+                <a:extLst>
+                  <a:ext uri="{0D108BD9-81ED-4DB2-BD59-A6C34878D82A}">
+                    <a16:rowId xmlns:a16="http://schemas.microsoft.com/office/drawing/2014/main" val="10002"/>
+                  </a:ext>
+                </a:extLst>
               </a:tr>
               <a:tr h="290445">
                 <a:tc>
@@ -13314,7 +13132,7 @@
                     <a:p>
                       <a:pPr algn="ctr"/>
                       <a:r>
-                        <a:rPr lang="en-US" sz="800" dirty="0" smtClean="0"/>
+                        <a:rPr lang="en-US" sz="800" dirty="0"/>
                         <a:t>…….</a:t>
                       </a:r>
                       <a:endParaRPr lang="en-GB" sz="800" dirty="0"/>
@@ -13329,7 +13147,7 @@
                     <a:p>
                       <a:pPr algn="ctr"/>
                       <a:r>
-                        <a:rPr lang="en-US" sz="800" dirty="0" smtClean="0"/>
+                        <a:rPr lang="en-US" sz="800" dirty="0"/>
                         <a:t>…….</a:t>
                       </a:r>
                       <a:endParaRPr lang="en-GB" sz="800" dirty="0"/>
@@ -13344,7 +13162,7 @@
                     <a:p>
                       <a:pPr algn="ctr"/>
                       <a:r>
-                        <a:rPr lang="en-US" sz="800" dirty="0" smtClean="0"/>
+                        <a:rPr lang="en-US" sz="800" dirty="0"/>
                         <a:t>…….</a:t>
                       </a:r>
                       <a:endParaRPr lang="en-GB" sz="800" dirty="0"/>
@@ -13352,6 +13170,11 @@
                   </a:txBody>
                   <a:tcPr/>
                 </a:tc>
+                <a:extLst>
+                  <a:ext uri="{0D108BD9-81ED-4DB2-BD59-A6C34878D82A}">
+                    <a16:rowId xmlns:a16="http://schemas.microsoft.com/office/drawing/2014/main" val="10003"/>
+                  </a:ext>
+                </a:extLst>
               </a:tr>
             </a:tbl>
           </a:graphicData>
@@ -13488,7 +13311,7 @@
             <a:p>
               <a:pPr algn="ctr"/>
               <a:r>
-                <a:rPr lang="en-US" b="1" dirty="0" smtClean="0"/>
+                <a:rPr lang="en-US" b="1" dirty="0"/>
                 <a:t>For all locations &amp; more events</a:t>
               </a:r>
               <a:endParaRPr lang="en-GB" b="1" dirty="0"/>
